--- a/core/img/source picture of GMP core.pptx
+++ b/core/img/source picture of GMP core.pptx
@@ -6,6 +6,7 @@
   </p:sldMasterIdLst>
   <p:sldIdLst>
     <p:sldId id="256" r:id="rId2"/>
+    <p:sldId id="257" r:id="rId3"/>
   </p:sldIdLst>
   <p:sldSz cx="12192000" cy="6858000"/>
   <p:notesSz cx="6858000" cy="9144000"/>
@@ -104,6 +105,11 @@
       </a:defRPr>
     </a:lvl9pPr>
   </p:defaultTextStyle>
+  <p:extLst>
+    <p:ext uri="{EFAFB233-063F-42B5-8137-9DF3F51BA10A}">
+      <p15:sldGuideLst xmlns:p15="http://schemas.microsoft.com/office/powerpoint/2012/main"/>
+    </p:ext>
+  </p:extLst>
 </p:presentation>
 </file>
 
@@ -254,7 +260,7 @@
           <a:p>
             <a:fld id="{6DCD9B5E-61DD-455F-B12E-DE3F78E1AC99}" type="datetimeFigureOut">
               <a:rPr lang="zh-CN" altLang="en-US" smtClean="0"/>
-              <a:t>2024/1/8</a:t>
+              <a:t>2024/9/8</a:t>
             </a:fld>
             <a:endParaRPr lang="zh-CN" altLang="en-US"/>
           </a:p>
@@ -452,7 +458,7 @@
           <a:p>
             <a:fld id="{6DCD9B5E-61DD-455F-B12E-DE3F78E1AC99}" type="datetimeFigureOut">
               <a:rPr lang="zh-CN" altLang="en-US" smtClean="0"/>
-              <a:t>2024/1/8</a:t>
+              <a:t>2024/9/8</a:t>
             </a:fld>
             <a:endParaRPr lang="zh-CN" altLang="en-US"/>
           </a:p>
@@ -660,7 +666,7 @@
           <a:p>
             <a:fld id="{6DCD9B5E-61DD-455F-B12E-DE3F78E1AC99}" type="datetimeFigureOut">
               <a:rPr lang="zh-CN" altLang="en-US" smtClean="0"/>
-              <a:t>2024/1/8</a:t>
+              <a:t>2024/9/8</a:t>
             </a:fld>
             <a:endParaRPr lang="zh-CN" altLang="en-US"/>
           </a:p>
@@ -858,7 +864,7 @@
           <a:p>
             <a:fld id="{6DCD9B5E-61DD-455F-B12E-DE3F78E1AC99}" type="datetimeFigureOut">
               <a:rPr lang="zh-CN" altLang="en-US" smtClean="0"/>
-              <a:t>2024/1/8</a:t>
+              <a:t>2024/9/8</a:t>
             </a:fld>
             <a:endParaRPr lang="zh-CN" altLang="en-US"/>
           </a:p>
@@ -1133,7 +1139,7 @@
           <a:p>
             <a:fld id="{6DCD9B5E-61DD-455F-B12E-DE3F78E1AC99}" type="datetimeFigureOut">
               <a:rPr lang="zh-CN" altLang="en-US" smtClean="0"/>
-              <a:t>2024/1/8</a:t>
+              <a:t>2024/9/8</a:t>
             </a:fld>
             <a:endParaRPr lang="zh-CN" altLang="en-US"/>
           </a:p>
@@ -1398,7 +1404,7 @@
           <a:p>
             <a:fld id="{6DCD9B5E-61DD-455F-B12E-DE3F78E1AC99}" type="datetimeFigureOut">
               <a:rPr lang="zh-CN" altLang="en-US" smtClean="0"/>
-              <a:t>2024/1/8</a:t>
+              <a:t>2024/9/8</a:t>
             </a:fld>
             <a:endParaRPr lang="zh-CN" altLang="en-US"/>
           </a:p>
@@ -1810,7 +1816,7 @@
           <a:p>
             <a:fld id="{6DCD9B5E-61DD-455F-B12E-DE3F78E1AC99}" type="datetimeFigureOut">
               <a:rPr lang="zh-CN" altLang="en-US" smtClean="0"/>
-              <a:t>2024/1/8</a:t>
+              <a:t>2024/9/8</a:t>
             </a:fld>
             <a:endParaRPr lang="zh-CN" altLang="en-US"/>
           </a:p>
@@ -1951,7 +1957,7 @@
           <a:p>
             <a:fld id="{6DCD9B5E-61DD-455F-B12E-DE3F78E1AC99}" type="datetimeFigureOut">
               <a:rPr lang="zh-CN" altLang="en-US" smtClean="0"/>
-              <a:t>2024/1/8</a:t>
+              <a:t>2024/9/8</a:t>
             </a:fld>
             <a:endParaRPr lang="zh-CN" altLang="en-US"/>
           </a:p>
@@ -2064,7 +2070,7 @@
           <a:p>
             <a:fld id="{6DCD9B5E-61DD-455F-B12E-DE3F78E1AC99}" type="datetimeFigureOut">
               <a:rPr lang="zh-CN" altLang="en-US" smtClean="0"/>
-              <a:t>2024/1/8</a:t>
+              <a:t>2024/9/8</a:t>
             </a:fld>
             <a:endParaRPr lang="zh-CN" altLang="en-US"/>
           </a:p>
@@ -2375,7 +2381,7 @@
           <a:p>
             <a:fld id="{6DCD9B5E-61DD-455F-B12E-DE3F78E1AC99}" type="datetimeFigureOut">
               <a:rPr lang="zh-CN" altLang="en-US" smtClean="0"/>
-              <a:t>2024/1/8</a:t>
+              <a:t>2024/9/8</a:t>
             </a:fld>
             <a:endParaRPr lang="zh-CN" altLang="en-US"/>
           </a:p>
@@ -2663,7 +2669,7 @@
           <a:p>
             <a:fld id="{6DCD9B5E-61DD-455F-B12E-DE3F78E1AC99}" type="datetimeFigureOut">
               <a:rPr lang="zh-CN" altLang="en-US" smtClean="0"/>
-              <a:t>2024/1/8</a:t>
+              <a:t>2024/9/8</a:t>
             </a:fld>
             <a:endParaRPr lang="zh-CN" altLang="en-US"/>
           </a:p>
@@ -2904,7 +2910,7 @@
           <a:p>
             <a:fld id="{6DCD9B5E-61DD-455F-B12E-DE3F78E1AC99}" type="datetimeFigureOut">
               <a:rPr lang="zh-CN" altLang="en-US" smtClean="0"/>
-              <a:t>2024/1/8</a:t>
+              <a:t>2024/9/8</a:t>
             </a:fld>
             <a:endParaRPr lang="zh-CN" altLang="en-US"/>
           </a:p>
@@ -3321,10 +3327,2452 @@
           <a:chExt cx="0" cy="0"/>
         </a:xfrm>
       </p:grpSpPr>
+      <p:sp>
+        <p:nvSpPr>
+          <p:cNvPr id="2" name="矩形 1">
+            <a:extLst>
+              <a:ext uri="{FF2B5EF4-FFF2-40B4-BE49-F238E27FC236}">
+                <a16:creationId xmlns:a16="http://schemas.microsoft.com/office/drawing/2014/main" id="{26018617-C966-45B1-A6E6-D7B233FBDCF2}"/>
+              </a:ext>
+            </a:extLst>
+          </p:cNvPr>
+          <p:cNvSpPr/>
+          <p:nvPr/>
+        </p:nvSpPr>
+        <p:spPr>
+          <a:xfrm>
+            <a:off x="6372256" y="2902680"/>
+            <a:ext cx="2375971" cy="984131"/>
+          </a:xfrm>
+          <a:prstGeom prst="rect">
+            <a:avLst/>
+          </a:prstGeom>
+          <a:noFill/>
+        </p:spPr>
+        <p:style>
+          <a:lnRef idx="2">
+            <a:schemeClr val="accent1">
+              <a:shade val="50000"/>
+            </a:schemeClr>
+          </a:lnRef>
+          <a:fillRef idx="1">
+            <a:schemeClr val="accent1"/>
+          </a:fillRef>
+          <a:effectRef idx="0">
+            <a:schemeClr val="accent1"/>
+          </a:effectRef>
+          <a:fontRef idx="minor">
+            <a:schemeClr val="lt1"/>
+          </a:fontRef>
+        </p:style>
+        <p:txBody>
+          <a:bodyPr rtlCol="0" anchor="ctr"/>
+          <a:lstStyle/>
+          <a:p>
+            <a:pPr algn="ctr"/>
+            <a:endParaRPr lang="zh-CN" altLang="en-US"/>
+          </a:p>
+        </p:txBody>
+      </p:sp>
+      <p:sp>
+        <p:nvSpPr>
+          <p:cNvPr id="3" name="文本框 2">
+            <a:extLst>
+              <a:ext uri="{FF2B5EF4-FFF2-40B4-BE49-F238E27FC236}">
+                <a16:creationId xmlns:a16="http://schemas.microsoft.com/office/drawing/2014/main" id="{D739BEB9-6146-4C6E-B422-DB33B9DD61D5}"/>
+              </a:ext>
+            </a:extLst>
+          </p:cNvPr>
+          <p:cNvSpPr txBox="1"/>
+          <p:nvPr/>
+        </p:nvSpPr>
+        <p:spPr>
+          <a:xfrm>
+            <a:off x="6372255" y="2948834"/>
+            <a:ext cx="2375970" cy="923330"/>
+          </a:xfrm>
+          <a:prstGeom prst="rect">
+            <a:avLst/>
+          </a:prstGeom>
+          <a:noFill/>
+        </p:spPr>
+        <p:txBody>
+          <a:bodyPr wrap="none" rtlCol="0">
+            <a:spAutoFit/>
+          </a:bodyPr>
+          <a:lstStyle/>
+          <a:p>
+            <a:pPr algn="ctr"/>
+            <a:r>
+              <a:rPr lang="en-US" altLang="zh-CN" dirty="0"/>
+              <a:t>Device Interface</a:t>
+            </a:r>
+          </a:p>
+          <a:p>
+            <a:pPr algn="ctr"/>
+            <a:r>
+              <a:rPr lang="en-US" altLang="zh-CN" dirty="0"/>
+              <a:t>(Communication Side)</a:t>
+            </a:r>
+          </a:p>
+          <a:p>
+            <a:pPr algn="ctr"/>
+            <a:r>
+              <a:rPr lang="en-US" altLang="zh-CN" dirty="0"/>
+              <a:t>`dev` folder </a:t>
+            </a:r>
+          </a:p>
+        </p:txBody>
+      </p:sp>
+      <p:sp>
+        <p:nvSpPr>
+          <p:cNvPr id="4" name="矩形 3">
+            <a:extLst>
+              <a:ext uri="{FF2B5EF4-FFF2-40B4-BE49-F238E27FC236}">
+                <a16:creationId xmlns:a16="http://schemas.microsoft.com/office/drawing/2014/main" id="{7F61C185-C8E1-4B65-9784-FD7B1AF91E35}"/>
+              </a:ext>
+            </a:extLst>
+          </p:cNvPr>
+          <p:cNvSpPr/>
+          <p:nvPr/>
+        </p:nvSpPr>
+        <p:spPr>
+          <a:xfrm>
+            <a:off x="6385080" y="1363474"/>
+            <a:ext cx="2375971" cy="984131"/>
+          </a:xfrm>
+          <a:prstGeom prst="rect">
+            <a:avLst/>
+          </a:prstGeom>
+          <a:noFill/>
+        </p:spPr>
+        <p:style>
+          <a:lnRef idx="2">
+            <a:schemeClr val="accent1">
+              <a:shade val="50000"/>
+            </a:schemeClr>
+          </a:lnRef>
+          <a:fillRef idx="1">
+            <a:schemeClr val="accent1"/>
+          </a:fillRef>
+          <a:effectRef idx="0">
+            <a:schemeClr val="accent1"/>
+          </a:effectRef>
+          <a:fontRef idx="minor">
+            <a:schemeClr val="lt1"/>
+          </a:fontRef>
+        </p:style>
+        <p:txBody>
+          <a:bodyPr rtlCol="0" anchor="ctr"/>
+          <a:lstStyle/>
+          <a:p>
+            <a:pPr algn="ctr"/>
+            <a:endParaRPr lang="zh-CN" altLang="en-US"/>
+          </a:p>
+        </p:txBody>
+      </p:sp>
+      <p:sp>
+        <p:nvSpPr>
+          <p:cNvPr id="5" name="文本框 4">
+            <a:extLst>
+              <a:ext uri="{FF2B5EF4-FFF2-40B4-BE49-F238E27FC236}">
+                <a16:creationId xmlns:a16="http://schemas.microsoft.com/office/drawing/2014/main" id="{BF5556D9-6073-4940-A0A7-8DDAAF39528C}"/>
+              </a:ext>
+            </a:extLst>
+          </p:cNvPr>
+          <p:cNvSpPr txBox="1"/>
+          <p:nvPr/>
+        </p:nvSpPr>
+        <p:spPr>
+          <a:xfrm>
+            <a:off x="6372255" y="1409628"/>
+            <a:ext cx="2401619" cy="923330"/>
+          </a:xfrm>
+          <a:prstGeom prst="rect">
+            <a:avLst/>
+          </a:prstGeom>
+          <a:noFill/>
+        </p:spPr>
+        <p:txBody>
+          <a:bodyPr wrap="none" rtlCol="0">
+            <a:spAutoFit/>
+          </a:bodyPr>
+          <a:lstStyle/>
+          <a:p>
+            <a:pPr algn="ctr"/>
+            <a:r>
+              <a:rPr lang="en-US" altLang="zh-CN" dirty="0"/>
+              <a:t>Memory Management</a:t>
+            </a:r>
+          </a:p>
+          <a:p>
+            <a:pPr algn="ctr"/>
+            <a:r>
+              <a:rPr lang="en-US" altLang="zh-CN" dirty="0"/>
+              <a:t>(Heap Support)</a:t>
+            </a:r>
+          </a:p>
+          <a:p>
+            <a:pPr algn="ctr"/>
+            <a:r>
+              <a:rPr lang="en-US" altLang="zh-CN" dirty="0"/>
+              <a:t>`mm` folder </a:t>
+            </a:r>
+          </a:p>
+        </p:txBody>
+      </p:sp>
+      <p:sp>
+        <p:nvSpPr>
+          <p:cNvPr id="6" name="矩形 5">
+            <a:extLst>
+              <a:ext uri="{FF2B5EF4-FFF2-40B4-BE49-F238E27FC236}">
+                <a16:creationId xmlns:a16="http://schemas.microsoft.com/office/drawing/2014/main" id="{DD171F80-6A26-4AC9-B9D2-45A6CC16041E}"/>
+              </a:ext>
+            </a:extLst>
+          </p:cNvPr>
+          <p:cNvSpPr/>
+          <p:nvPr/>
+        </p:nvSpPr>
+        <p:spPr>
+          <a:xfrm>
+            <a:off x="6372255" y="5002965"/>
+            <a:ext cx="2375971" cy="984131"/>
+          </a:xfrm>
+          <a:prstGeom prst="rect">
+            <a:avLst/>
+          </a:prstGeom>
+          <a:noFill/>
+        </p:spPr>
+        <p:style>
+          <a:lnRef idx="2">
+            <a:schemeClr val="accent1">
+              <a:shade val="50000"/>
+            </a:schemeClr>
+          </a:lnRef>
+          <a:fillRef idx="1">
+            <a:schemeClr val="accent1"/>
+          </a:fillRef>
+          <a:effectRef idx="0">
+            <a:schemeClr val="accent1"/>
+          </a:effectRef>
+          <a:fontRef idx="minor">
+            <a:schemeClr val="lt1"/>
+          </a:fontRef>
+        </p:style>
+        <p:txBody>
+          <a:bodyPr rtlCol="0" anchor="ctr"/>
+          <a:lstStyle/>
+          <a:p>
+            <a:pPr algn="ctr"/>
+            <a:endParaRPr lang="zh-CN" altLang="en-US"/>
+          </a:p>
+        </p:txBody>
+      </p:sp>
+      <p:sp>
+        <p:nvSpPr>
+          <p:cNvPr id="7" name="文本框 6">
+            <a:extLst>
+              <a:ext uri="{FF2B5EF4-FFF2-40B4-BE49-F238E27FC236}">
+                <a16:creationId xmlns:a16="http://schemas.microsoft.com/office/drawing/2014/main" id="{BEEF8EFE-135F-4B3B-962E-D8598EF290CB}"/>
+              </a:ext>
+            </a:extLst>
+          </p:cNvPr>
+          <p:cNvSpPr txBox="1"/>
+          <p:nvPr/>
+        </p:nvSpPr>
+        <p:spPr>
+          <a:xfrm>
+            <a:off x="6400307" y="5049119"/>
+            <a:ext cx="2319867" cy="923330"/>
+          </a:xfrm>
+          <a:prstGeom prst="rect">
+            <a:avLst/>
+          </a:prstGeom>
+          <a:noFill/>
+        </p:spPr>
+        <p:txBody>
+          <a:bodyPr wrap="none" rtlCol="0">
+            <a:spAutoFit/>
+          </a:bodyPr>
+          <a:lstStyle/>
+          <a:p>
+            <a:pPr algn="ctr"/>
+            <a:r>
+              <a:rPr lang="en-US" altLang="zh-CN" dirty="0"/>
+              <a:t>Process Management</a:t>
+            </a:r>
+          </a:p>
+          <a:p>
+            <a:pPr algn="ctr"/>
+            <a:r>
+              <a:rPr lang="en-US" altLang="zh-CN" dirty="0"/>
+              <a:t>(Tasks Manager)</a:t>
+            </a:r>
+          </a:p>
+          <a:p>
+            <a:pPr algn="ctr"/>
+            <a:r>
+              <a:rPr lang="en-US" altLang="zh-CN" dirty="0"/>
+              <a:t>`pm` folder </a:t>
+            </a:r>
+          </a:p>
+        </p:txBody>
+      </p:sp>
+      <p:sp>
+        <p:nvSpPr>
+          <p:cNvPr id="8" name="矩形 7">
+            <a:extLst>
+              <a:ext uri="{FF2B5EF4-FFF2-40B4-BE49-F238E27FC236}">
+                <a16:creationId xmlns:a16="http://schemas.microsoft.com/office/drawing/2014/main" id="{6B8DFB6E-24DE-478C-8B77-0B5FDAFAE6DD}"/>
+              </a:ext>
+            </a:extLst>
+          </p:cNvPr>
+          <p:cNvSpPr/>
+          <p:nvPr/>
+        </p:nvSpPr>
+        <p:spPr>
+          <a:xfrm>
+            <a:off x="3255832" y="2902680"/>
+            <a:ext cx="2375971" cy="984131"/>
+          </a:xfrm>
+          <a:prstGeom prst="rect">
+            <a:avLst/>
+          </a:prstGeom>
+          <a:noFill/>
+        </p:spPr>
+        <p:style>
+          <a:lnRef idx="2">
+            <a:schemeClr val="accent1">
+              <a:shade val="50000"/>
+            </a:schemeClr>
+          </a:lnRef>
+          <a:fillRef idx="1">
+            <a:schemeClr val="accent1"/>
+          </a:fillRef>
+          <a:effectRef idx="0">
+            <a:schemeClr val="accent1"/>
+          </a:effectRef>
+          <a:fontRef idx="minor">
+            <a:schemeClr val="lt1"/>
+          </a:fontRef>
+        </p:style>
+        <p:txBody>
+          <a:bodyPr rtlCol="0" anchor="ctr"/>
+          <a:lstStyle/>
+          <a:p>
+            <a:pPr algn="ctr"/>
+            <a:endParaRPr lang="zh-CN" altLang="en-US"/>
+          </a:p>
+        </p:txBody>
+      </p:sp>
+      <p:sp>
+        <p:nvSpPr>
+          <p:cNvPr id="9" name="文本框 8">
+            <a:extLst>
+              <a:ext uri="{FF2B5EF4-FFF2-40B4-BE49-F238E27FC236}">
+                <a16:creationId xmlns:a16="http://schemas.microsoft.com/office/drawing/2014/main" id="{ECDBCE1D-2B14-4233-886E-F3A156A4E1BE}"/>
+              </a:ext>
+            </a:extLst>
+          </p:cNvPr>
+          <p:cNvSpPr txBox="1"/>
+          <p:nvPr/>
+        </p:nvSpPr>
+        <p:spPr>
+          <a:xfrm>
+            <a:off x="3201328" y="2948834"/>
+            <a:ext cx="2484976" cy="923330"/>
+          </a:xfrm>
+          <a:prstGeom prst="rect">
+            <a:avLst/>
+          </a:prstGeom>
+          <a:noFill/>
+        </p:spPr>
+        <p:txBody>
+          <a:bodyPr wrap="none" rtlCol="0">
+            <a:spAutoFit/>
+          </a:bodyPr>
+          <a:lstStyle/>
+          <a:p>
+            <a:pPr algn="ctr"/>
+            <a:r>
+              <a:rPr lang="en-US" altLang="zh-CN" dirty="0"/>
+              <a:t>Project Standardization</a:t>
+            </a:r>
+          </a:p>
+          <a:p>
+            <a:pPr algn="ctr"/>
+            <a:r>
+              <a:rPr lang="en-US" altLang="zh-CN" dirty="0"/>
+              <a:t>(Basic framework)</a:t>
+            </a:r>
+          </a:p>
+          <a:p>
+            <a:pPr algn="ctr"/>
+            <a:r>
+              <a:rPr lang="en-US" altLang="zh-CN" dirty="0"/>
+              <a:t>`std` folder </a:t>
+            </a:r>
+          </a:p>
+        </p:txBody>
+      </p:sp>
+      <p:sp>
+        <p:nvSpPr>
+          <p:cNvPr id="10" name="文本框 9">
+            <a:extLst>
+              <a:ext uri="{FF2B5EF4-FFF2-40B4-BE49-F238E27FC236}">
+                <a16:creationId xmlns:a16="http://schemas.microsoft.com/office/drawing/2014/main" id="{4B7E17ED-DB47-495C-BE0E-A95E4CF0AA48}"/>
+              </a:ext>
+            </a:extLst>
+          </p:cNvPr>
+          <p:cNvSpPr txBox="1"/>
+          <p:nvPr/>
+        </p:nvSpPr>
+        <p:spPr>
+          <a:xfrm>
+            <a:off x="499884" y="2025504"/>
+            <a:ext cx="2537920" cy="923330"/>
+          </a:xfrm>
+          <a:prstGeom prst="rect">
+            <a:avLst/>
+          </a:prstGeom>
+          <a:noFill/>
+        </p:spPr>
+        <p:txBody>
+          <a:bodyPr wrap="square" rtlCol="0">
+            <a:spAutoFit/>
+          </a:bodyPr>
+          <a:lstStyle/>
+          <a:p>
+            <a:pPr algn="ctr"/>
+            <a:r>
+              <a:rPr lang="en-US" altLang="zh-CN" dirty="0"/>
+              <a:t>Standard Error code</a:t>
+            </a:r>
+          </a:p>
+          <a:p>
+            <a:pPr algn="ctr"/>
+            <a:r>
+              <a:rPr lang="en-US" altLang="zh-CN" dirty="0"/>
+              <a:t>`</a:t>
+            </a:r>
+            <a:r>
+              <a:rPr lang="en-US" altLang="zh-CN" dirty="0" err="1"/>
+              <a:t>error_code.h</a:t>
+            </a:r>
+            <a:r>
+              <a:rPr lang="en-US" altLang="zh-CN" dirty="0"/>
+              <a:t>`</a:t>
+            </a:r>
+          </a:p>
+          <a:p>
+            <a:pPr algn="ctr"/>
+            <a:r>
+              <a:rPr lang="en-US" altLang="zh-CN" dirty="0"/>
+              <a:t>(Auto generate)</a:t>
+            </a:r>
+            <a:endParaRPr lang="zh-CN" altLang="en-US" dirty="0"/>
+          </a:p>
+        </p:txBody>
+      </p:sp>
+      <p:sp>
+        <p:nvSpPr>
+          <p:cNvPr id="11" name="文本框 10">
+            <a:extLst>
+              <a:ext uri="{FF2B5EF4-FFF2-40B4-BE49-F238E27FC236}">
+                <a16:creationId xmlns:a16="http://schemas.microsoft.com/office/drawing/2014/main" id="{C11D20E7-D988-4C18-9E0A-AB767F96FC4C}"/>
+              </a:ext>
+            </a:extLst>
+          </p:cNvPr>
+          <p:cNvSpPr txBox="1"/>
+          <p:nvPr/>
+        </p:nvSpPr>
+        <p:spPr>
+          <a:xfrm>
+            <a:off x="494522" y="3214146"/>
+            <a:ext cx="2537920" cy="923330"/>
+          </a:xfrm>
+          <a:prstGeom prst="rect">
+            <a:avLst/>
+          </a:prstGeom>
+          <a:noFill/>
+        </p:spPr>
+        <p:txBody>
+          <a:bodyPr wrap="square" rtlCol="0">
+            <a:spAutoFit/>
+          </a:bodyPr>
+          <a:lstStyle/>
+          <a:p>
+            <a:pPr algn="ctr"/>
+            <a:r>
+              <a:rPr lang="en-US" altLang="zh-CN" dirty="0"/>
+              <a:t>Standard Type definition</a:t>
+            </a:r>
+          </a:p>
+          <a:p>
+            <a:pPr algn="ctr"/>
+            <a:r>
+              <a:rPr lang="en-US" altLang="zh-CN" dirty="0"/>
+              <a:t>`</a:t>
+            </a:r>
+            <a:r>
+              <a:rPr lang="en-US" altLang="zh-CN" dirty="0" err="1"/>
+              <a:t>default.types.h</a:t>
+            </a:r>
+            <a:r>
+              <a:rPr lang="en-US" altLang="zh-CN" dirty="0"/>
+              <a:t>`</a:t>
+            </a:r>
+            <a:endParaRPr lang="zh-CN" altLang="en-US" dirty="0"/>
+          </a:p>
+        </p:txBody>
+      </p:sp>
+      <p:sp>
+        <p:nvSpPr>
+          <p:cNvPr id="12" name="文本框 11">
+            <a:extLst>
+              <a:ext uri="{FF2B5EF4-FFF2-40B4-BE49-F238E27FC236}">
+                <a16:creationId xmlns:a16="http://schemas.microsoft.com/office/drawing/2014/main" id="{9A2EA5DA-D44E-475D-9E49-651A7454EF3E}"/>
+              </a:ext>
+            </a:extLst>
+          </p:cNvPr>
+          <p:cNvSpPr txBox="1"/>
+          <p:nvPr/>
+        </p:nvSpPr>
+        <p:spPr>
+          <a:xfrm>
+            <a:off x="494521" y="4402788"/>
+            <a:ext cx="2537920" cy="646331"/>
+          </a:xfrm>
+          <a:prstGeom prst="rect">
+            <a:avLst/>
+          </a:prstGeom>
+          <a:noFill/>
+        </p:spPr>
+        <p:txBody>
+          <a:bodyPr wrap="square" rtlCol="0">
+            <a:spAutoFit/>
+          </a:bodyPr>
+          <a:lstStyle/>
+          <a:p>
+            <a:pPr algn="ctr"/>
+            <a:r>
+              <a:rPr lang="en-US" altLang="zh-CN" dirty="0"/>
+              <a:t>GMP framework</a:t>
+            </a:r>
+          </a:p>
+          <a:p>
+            <a:pPr algn="ctr"/>
+            <a:r>
+              <a:rPr lang="en-US" altLang="zh-CN" dirty="0"/>
+              <a:t>`</a:t>
+            </a:r>
+            <a:r>
+              <a:rPr lang="en-US" altLang="zh-CN" dirty="0" err="1"/>
+              <a:t>gmp_main</a:t>
+            </a:r>
+            <a:r>
+              <a:rPr lang="en-US" altLang="zh-CN" dirty="0"/>
+              <a:t>`</a:t>
+            </a:r>
+            <a:endParaRPr lang="zh-CN" altLang="en-US" dirty="0"/>
+          </a:p>
+        </p:txBody>
+      </p:sp>
+      <p:sp>
+        <p:nvSpPr>
+          <p:cNvPr id="13" name="文本框 12">
+            <a:extLst>
+              <a:ext uri="{FF2B5EF4-FFF2-40B4-BE49-F238E27FC236}">
+                <a16:creationId xmlns:a16="http://schemas.microsoft.com/office/drawing/2014/main" id="{D1A9FD62-D8BA-4C33-8D25-B3987BCC8450}"/>
+              </a:ext>
+            </a:extLst>
+          </p:cNvPr>
+          <p:cNvSpPr txBox="1"/>
+          <p:nvPr/>
+        </p:nvSpPr>
+        <p:spPr>
+          <a:xfrm>
+            <a:off x="499884" y="836862"/>
+            <a:ext cx="2537920" cy="923330"/>
+          </a:xfrm>
+          <a:prstGeom prst="rect">
+            <a:avLst/>
+          </a:prstGeom>
+          <a:noFill/>
+        </p:spPr>
+        <p:txBody>
+          <a:bodyPr wrap="square" rtlCol="0">
+            <a:spAutoFit/>
+          </a:bodyPr>
+          <a:lstStyle/>
+          <a:p>
+            <a:pPr algn="ctr"/>
+            <a:r>
+              <a:rPr lang="en-US" altLang="zh-CN" dirty="0"/>
+              <a:t>Compiling Environment</a:t>
+            </a:r>
+          </a:p>
+          <a:p>
+            <a:pPr algn="ctr"/>
+            <a:r>
+              <a:rPr lang="en-US" altLang="zh-CN" dirty="0"/>
+              <a:t>`</a:t>
+            </a:r>
+            <a:r>
+              <a:rPr lang="en-US" altLang="zh-CN" dirty="0" err="1"/>
+              <a:t>compiler_sup.h</a:t>
+            </a:r>
+            <a:r>
+              <a:rPr lang="en-US" altLang="zh-CN" dirty="0"/>
+              <a:t>`</a:t>
+            </a:r>
+          </a:p>
+          <a:p>
+            <a:pPr algn="ctr"/>
+            <a:r>
+              <a:rPr lang="en-US" altLang="zh-CN" dirty="0"/>
+              <a:t>(Auto generate)</a:t>
+            </a:r>
+            <a:endParaRPr lang="zh-CN" altLang="en-US" dirty="0"/>
+          </a:p>
+        </p:txBody>
+      </p:sp>
+      <p:sp>
+        <p:nvSpPr>
+          <p:cNvPr id="14" name="文本框 13">
+            <a:extLst>
+              <a:ext uri="{FF2B5EF4-FFF2-40B4-BE49-F238E27FC236}">
+                <a16:creationId xmlns:a16="http://schemas.microsoft.com/office/drawing/2014/main" id="{5F3059B1-BEE2-4A92-B318-7736ADE50E14}"/>
+              </a:ext>
+            </a:extLst>
+          </p:cNvPr>
+          <p:cNvSpPr txBox="1"/>
+          <p:nvPr/>
+        </p:nvSpPr>
+        <p:spPr>
+          <a:xfrm>
+            <a:off x="494521" y="5314430"/>
+            <a:ext cx="2537920" cy="646331"/>
+          </a:xfrm>
+          <a:prstGeom prst="rect">
+            <a:avLst/>
+          </a:prstGeom>
+          <a:noFill/>
+        </p:spPr>
+        <p:txBody>
+          <a:bodyPr wrap="square" rtlCol="0">
+            <a:spAutoFit/>
+          </a:bodyPr>
+          <a:lstStyle/>
+          <a:p>
+            <a:pPr algn="ctr"/>
+            <a:r>
+              <a:rPr lang="en-US" altLang="zh-CN" dirty="0"/>
+              <a:t>GMP Toolkit Switches</a:t>
+            </a:r>
+          </a:p>
+          <a:p>
+            <a:pPr algn="ctr"/>
+            <a:r>
+              <a:rPr lang="en-US" altLang="zh-CN" dirty="0"/>
+              <a:t>`</a:t>
+            </a:r>
+            <a:r>
+              <a:rPr lang="en-US" altLang="zh-CN" dirty="0" err="1"/>
+              <a:t>default.config.h</a:t>
+            </a:r>
+            <a:r>
+              <a:rPr lang="en-US" altLang="zh-CN" dirty="0"/>
+              <a:t>`</a:t>
+            </a:r>
+            <a:endParaRPr lang="zh-CN" altLang="en-US" dirty="0"/>
+          </a:p>
+        </p:txBody>
+      </p:sp>
+      <p:sp>
+        <p:nvSpPr>
+          <p:cNvPr id="15" name="右大括号 14">
+            <a:extLst>
+              <a:ext uri="{FF2B5EF4-FFF2-40B4-BE49-F238E27FC236}">
+                <a16:creationId xmlns:a16="http://schemas.microsoft.com/office/drawing/2014/main" id="{AB9DFDEF-4065-4106-86E5-43DD17BF0938}"/>
+              </a:ext>
+            </a:extLst>
+          </p:cNvPr>
+          <p:cNvSpPr/>
+          <p:nvPr/>
+        </p:nvSpPr>
+        <p:spPr>
+          <a:xfrm>
+            <a:off x="3032441" y="836862"/>
+            <a:ext cx="121306" cy="5123899"/>
+          </a:xfrm>
+          <a:prstGeom prst="rightBrace">
+            <a:avLst/>
+          </a:prstGeom>
+        </p:spPr>
+        <p:style>
+          <a:lnRef idx="1">
+            <a:schemeClr val="accent1"/>
+          </a:lnRef>
+          <a:fillRef idx="0">
+            <a:schemeClr val="accent1"/>
+          </a:fillRef>
+          <a:effectRef idx="0">
+            <a:schemeClr val="accent1"/>
+          </a:effectRef>
+          <a:fontRef idx="minor">
+            <a:schemeClr val="tx1"/>
+          </a:fontRef>
+        </p:style>
+        <p:txBody>
+          <a:bodyPr rtlCol="0" anchor="ctr"/>
+          <a:lstStyle/>
+          <a:p>
+            <a:pPr algn="ctr"/>
+            <a:endParaRPr lang="zh-CN" altLang="en-US"/>
+          </a:p>
+        </p:txBody>
+      </p:sp>
+      <p:sp>
+        <p:nvSpPr>
+          <p:cNvPr id="16" name="左大括号 15">
+            <a:extLst>
+              <a:ext uri="{FF2B5EF4-FFF2-40B4-BE49-F238E27FC236}">
+                <a16:creationId xmlns:a16="http://schemas.microsoft.com/office/drawing/2014/main" id="{544CC2DF-C77D-4CFF-A1E9-7FEB8D27661E}"/>
+              </a:ext>
+            </a:extLst>
+          </p:cNvPr>
+          <p:cNvSpPr/>
+          <p:nvPr/>
+        </p:nvSpPr>
+        <p:spPr>
+          <a:xfrm>
+            <a:off x="8950764" y="2683522"/>
+            <a:ext cx="121306" cy="1453954"/>
+          </a:xfrm>
+          <a:prstGeom prst="leftBrace">
+            <a:avLst/>
+          </a:prstGeom>
+        </p:spPr>
+        <p:style>
+          <a:lnRef idx="1">
+            <a:schemeClr val="accent1"/>
+          </a:lnRef>
+          <a:fillRef idx="0">
+            <a:schemeClr val="accent1"/>
+          </a:fillRef>
+          <a:effectRef idx="0">
+            <a:schemeClr val="accent1"/>
+          </a:effectRef>
+          <a:fontRef idx="minor">
+            <a:schemeClr val="tx1"/>
+          </a:fontRef>
+        </p:style>
+        <p:txBody>
+          <a:bodyPr rtlCol="0" anchor="ctr"/>
+          <a:lstStyle/>
+          <a:p>
+            <a:pPr algn="ctr"/>
+            <a:endParaRPr lang="zh-CN" altLang="en-US"/>
+          </a:p>
+        </p:txBody>
+      </p:sp>
+      <p:sp>
+        <p:nvSpPr>
+          <p:cNvPr id="17" name="文本框 16">
+            <a:extLst>
+              <a:ext uri="{FF2B5EF4-FFF2-40B4-BE49-F238E27FC236}">
+                <a16:creationId xmlns:a16="http://schemas.microsoft.com/office/drawing/2014/main" id="{421AB243-9428-4636-9E05-2051BFE33A9B}"/>
+              </a:ext>
+            </a:extLst>
+          </p:cNvPr>
+          <p:cNvSpPr txBox="1"/>
+          <p:nvPr/>
+        </p:nvSpPr>
+        <p:spPr>
+          <a:xfrm>
+            <a:off x="9159559" y="2683522"/>
+            <a:ext cx="2722220" cy="369332"/>
+          </a:xfrm>
+          <a:prstGeom prst="rect">
+            <a:avLst/>
+          </a:prstGeom>
+          <a:noFill/>
+        </p:spPr>
+        <p:txBody>
+          <a:bodyPr wrap="none" rtlCol="0">
+            <a:spAutoFit/>
+          </a:bodyPr>
+          <a:lstStyle/>
+          <a:p>
+            <a:r>
+              <a:rPr lang="en-US" altLang="zh-CN" dirty="0" err="1"/>
+              <a:t>spi</a:t>
+            </a:r>
+            <a:r>
+              <a:rPr lang="en-US" altLang="zh-CN" dirty="0"/>
+              <a:t> interface: </a:t>
+            </a:r>
+            <a:r>
+              <a:rPr lang="en-US" altLang="zh-CN" dirty="0" err="1"/>
+              <a:t>spi_gmp_if.h</a:t>
+            </a:r>
+            <a:endParaRPr lang="zh-CN" altLang="en-US" dirty="0"/>
+          </a:p>
+        </p:txBody>
+      </p:sp>
+      <p:sp>
+        <p:nvSpPr>
+          <p:cNvPr id="18" name="文本框 17">
+            <a:extLst>
+              <a:ext uri="{FF2B5EF4-FFF2-40B4-BE49-F238E27FC236}">
+                <a16:creationId xmlns:a16="http://schemas.microsoft.com/office/drawing/2014/main" id="{D59FB0A4-7454-4576-9985-CE85A8AFAE21}"/>
+              </a:ext>
+            </a:extLst>
+          </p:cNvPr>
+          <p:cNvSpPr txBox="1"/>
+          <p:nvPr/>
+        </p:nvSpPr>
+        <p:spPr>
+          <a:xfrm>
+            <a:off x="9159559" y="3202767"/>
+            <a:ext cx="2577950" cy="369332"/>
+          </a:xfrm>
+          <a:prstGeom prst="rect">
+            <a:avLst/>
+          </a:prstGeom>
+          <a:noFill/>
+        </p:spPr>
+        <p:txBody>
+          <a:bodyPr wrap="none" rtlCol="0">
+            <a:spAutoFit/>
+          </a:bodyPr>
+          <a:lstStyle/>
+          <a:p>
+            <a:r>
+              <a:rPr lang="en-US" altLang="zh-CN" dirty="0" err="1"/>
+              <a:t>iic</a:t>
+            </a:r>
+            <a:r>
+              <a:rPr lang="en-US" altLang="zh-CN" dirty="0"/>
+              <a:t> interface: </a:t>
+            </a:r>
+            <a:r>
+              <a:rPr lang="en-US" altLang="zh-CN" dirty="0" err="1"/>
+              <a:t>iic_gmp_if.h</a:t>
+            </a:r>
+            <a:endParaRPr lang="zh-CN" altLang="en-US" dirty="0"/>
+          </a:p>
+        </p:txBody>
+      </p:sp>
+      <p:sp>
+        <p:nvSpPr>
+          <p:cNvPr id="19" name="文本框 18">
+            <a:extLst>
+              <a:ext uri="{FF2B5EF4-FFF2-40B4-BE49-F238E27FC236}">
+                <a16:creationId xmlns:a16="http://schemas.microsoft.com/office/drawing/2014/main" id="{5C30AC6F-CAF7-46A3-BA7F-B8771F5E9E88}"/>
+              </a:ext>
+            </a:extLst>
+          </p:cNvPr>
+          <p:cNvSpPr txBox="1"/>
+          <p:nvPr/>
+        </p:nvSpPr>
+        <p:spPr>
+          <a:xfrm>
+            <a:off x="9159559" y="3722013"/>
+            <a:ext cx="2953053" cy="369332"/>
+          </a:xfrm>
+          <a:prstGeom prst="rect">
+            <a:avLst/>
+          </a:prstGeom>
+          <a:noFill/>
+        </p:spPr>
+        <p:txBody>
+          <a:bodyPr wrap="none" rtlCol="0">
+            <a:spAutoFit/>
+          </a:bodyPr>
+          <a:lstStyle/>
+          <a:p>
+            <a:r>
+              <a:rPr lang="en-US" altLang="zh-CN" dirty="0" err="1"/>
+              <a:t>uart</a:t>
+            </a:r>
+            <a:r>
+              <a:rPr lang="en-US" altLang="zh-CN" dirty="0"/>
+              <a:t> interface: </a:t>
+            </a:r>
+            <a:r>
+              <a:rPr lang="en-US" altLang="zh-CN" dirty="0" err="1"/>
+              <a:t>uart_gmp_if.h</a:t>
+            </a:r>
+            <a:endParaRPr lang="zh-CN" altLang="en-US" dirty="0"/>
+          </a:p>
+        </p:txBody>
+      </p:sp>
+      <p:sp>
+        <p:nvSpPr>
+          <p:cNvPr id="20" name="文本框 19">
+            <a:extLst>
+              <a:ext uri="{FF2B5EF4-FFF2-40B4-BE49-F238E27FC236}">
+                <a16:creationId xmlns:a16="http://schemas.microsoft.com/office/drawing/2014/main" id="{D581A9E1-2162-4F1A-8A43-1388029C2656}"/>
+              </a:ext>
+            </a:extLst>
+          </p:cNvPr>
+          <p:cNvSpPr txBox="1"/>
+          <p:nvPr/>
+        </p:nvSpPr>
+        <p:spPr>
+          <a:xfrm>
+            <a:off x="8517596" y="4241258"/>
+            <a:ext cx="3674404" cy="276999"/>
+          </a:xfrm>
+          <a:prstGeom prst="rect">
+            <a:avLst/>
+          </a:prstGeom>
+          <a:noFill/>
+        </p:spPr>
+        <p:txBody>
+          <a:bodyPr wrap="none" rtlCol="0">
+            <a:spAutoFit/>
+          </a:bodyPr>
+          <a:lstStyle/>
+          <a:p>
+            <a:r>
+              <a:rPr lang="en-US" altLang="zh-CN" sz="1200" dirty="0"/>
+              <a:t>Analog interface are supported by GMP-CTL module</a:t>
+            </a:r>
+            <a:endParaRPr lang="zh-CN" altLang="en-US" sz="1200" dirty="0"/>
+          </a:p>
+        </p:txBody>
+      </p:sp>
+      <p:sp>
+        <p:nvSpPr>
+          <p:cNvPr id="21" name="左大括号 20">
+            <a:extLst>
+              <a:ext uri="{FF2B5EF4-FFF2-40B4-BE49-F238E27FC236}">
+                <a16:creationId xmlns:a16="http://schemas.microsoft.com/office/drawing/2014/main" id="{3591B420-C98A-42B8-8D76-D9497184ED78}"/>
+              </a:ext>
+            </a:extLst>
+          </p:cNvPr>
+          <p:cNvSpPr/>
+          <p:nvPr/>
+        </p:nvSpPr>
+        <p:spPr>
+          <a:xfrm>
+            <a:off x="8950764" y="4783807"/>
+            <a:ext cx="121306" cy="1453954"/>
+          </a:xfrm>
+          <a:prstGeom prst="leftBrace">
+            <a:avLst/>
+          </a:prstGeom>
+        </p:spPr>
+        <p:style>
+          <a:lnRef idx="1">
+            <a:schemeClr val="accent1"/>
+          </a:lnRef>
+          <a:fillRef idx="0">
+            <a:schemeClr val="accent1"/>
+          </a:fillRef>
+          <a:effectRef idx="0">
+            <a:schemeClr val="accent1"/>
+          </a:effectRef>
+          <a:fontRef idx="minor">
+            <a:schemeClr val="tx1"/>
+          </a:fontRef>
+        </p:style>
+        <p:txBody>
+          <a:bodyPr rtlCol="0" anchor="ctr"/>
+          <a:lstStyle/>
+          <a:p>
+            <a:pPr algn="ctr"/>
+            <a:endParaRPr lang="zh-CN" altLang="en-US"/>
+          </a:p>
+        </p:txBody>
+      </p:sp>
+      <p:sp>
+        <p:nvSpPr>
+          <p:cNvPr id="22" name="文本框 21">
+            <a:extLst>
+              <a:ext uri="{FF2B5EF4-FFF2-40B4-BE49-F238E27FC236}">
+                <a16:creationId xmlns:a16="http://schemas.microsoft.com/office/drawing/2014/main" id="{9326F512-DB7C-4756-9DE1-FEB539281ECB}"/>
+              </a:ext>
+            </a:extLst>
+          </p:cNvPr>
+          <p:cNvSpPr txBox="1"/>
+          <p:nvPr/>
+        </p:nvSpPr>
+        <p:spPr>
+          <a:xfrm>
+            <a:off x="9159559" y="4818299"/>
+            <a:ext cx="1130438" cy="369332"/>
+          </a:xfrm>
+          <a:prstGeom prst="rect">
+            <a:avLst/>
+          </a:prstGeom>
+          <a:noFill/>
+        </p:spPr>
+        <p:txBody>
+          <a:bodyPr wrap="none" rtlCol="0">
+            <a:spAutoFit/>
+          </a:bodyPr>
+          <a:lstStyle/>
+          <a:p>
+            <a:r>
+              <a:rPr lang="en-US" altLang="zh-CN" dirty="0"/>
+              <a:t>Workflow</a:t>
+            </a:r>
+            <a:endParaRPr lang="zh-CN" altLang="en-US" dirty="0"/>
+          </a:p>
+        </p:txBody>
+      </p:sp>
+      <p:sp>
+        <p:nvSpPr>
+          <p:cNvPr id="23" name="文本框 22">
+            <a:extLst>
+              <a:ext uri="{FF2B5EF4-FFF2-40B4-BE49-F238E27FC236}">
+                <a16:creationId xmlns:a16="http://schemas.microsoft.com/office/drawing/2014/main" id="{A8EF4F60-49BA-4CC2-AFEC-724286632F17}"/>
+              </a:ext>
+            </a:extLst>
+          </p:cNvPr>
+          <p:cNvSpPr txBox="1"/>
+          <p:nvPr/>
+        </p:nvSpPr>
+        <p:spPr>
+          <a:xfrm>
+            <a:off x="9159559" y="5327594"/>
+            <a:ext cx="1641796" cy="369332"/>
+          </a:xfrm>
+          <a:prstGeom prst="rect">
+            <a:avLst/>
+          </a:prstGeom>
+          <a:noFill/>
+        </p:spPr>
+        <p:txBody>
+          <a:bodyPr wrap="none" rtlCol="0">
+            <a:spAutoFit/>
+          </a:bodyPr>
+          <a:lstStyle/>
+          <a:p>
+            <a:r>
+              <a:rPr lang="en-US" altLang="zh-CN" dirty="0"/>
+              <a:t>State Machine</a:t>
+            </a:r>
+            <a:endParaRPr lang="zh-CN" altLang="en-US" dirty="0"/>
+          </a:p>
+        </p:txBody>
+      </p:sp>
+      <p:sp>
+        <p:nvSpPr>
+          <p:cNvPr id="24" name="文本框 23">
+            <a:extLst>
+              <a:ext uri="{FF2B5EF4-FFF2-40B4-BE49-F238E27FC236}">
+                <a16:creationId xmlns:a16="http://schemas.microsoft.com/office/drawing/2014/main" id="{0A474682-F176-45A7-9352-6D69547A17C3}"/>
+              </a:ext>
+            </a:extLst>
+          </p:cNvPr>
+          <p:cNvSpPr txBox="1"/>
+          <p:nvPr/>
+        </p:nvSpPr>
+        <p:spPr>
+          <a:xfrm>
+            <a:off x="9159559" y="5836889"/>
+            <a:ext cx="2371162" cy="369332"/>
+          </a:xfrm>
+          <a:prstGeom prst="rect">
+            <a:avLst/>
+          </a:prstGeom>
+          <a:noFill/>
+        </p:spPr>
+        <p:txBody>
+          <a:bodyPr wrap="none" rtlCol="0">
+            <a:spAutoFit/>
+          </a:bodyPr>
+          <a:lstStyle/>
+          <a:p>
+            <a:r>
+              <a:rPr lang="en-US" altLang="zh-CN" dirty="0"/>
+              <a:t>Event Message Driver</a:t>
+            </a:r>
+            <a:endParaRPr lang="zh-CN" altLang="en-US" dirty="0"/>
+          </a:p>
+        </p:txBody>
+      </p:sp>
+      <p:sp>
+        <p:nvSpPr>
+          <p:cNvPr id="25" name="左大括号 24">
+            <a:extLst>
+              <a:ext uri="{FF2B5EF4-FFF2-40B4-BE49-F238E27FC236}">
+                <a16:creationId xmlns:a16="http://schemas.microsoft.com/office/drawing/2014/main" id="{8E84E539-26AF-47F2-A9F8-EDFC8B09518F}"/>
+              </a:ext>
+            </a:extLst>
+          </p:cNvPr>
+          <p:cNvSpPr/>
+          <p:nvPr/>
+        </p:nvSpPr>
+        <p:spPr>
+          <a:xfrm>
+            <a:off x="8930148" y="1348827"/>
+            <a:ext cx="121306" cy="984131"/>
+          </a:xfrm>
+          <a:prstGeom prst="leftBrace">
+            <a:avLst/>
+          </a:prstGeom>
+        </p:spPr>
+        <p:style>
+          <a:lnRef idx="1">
+            <a:schemeClr val="accent1"/>
+          </a:lnRef>
+          <a:fillRef idx="0">
+            <a:schemeClr val="accent1"/>
+          </a:fillRef>
+          <a:effectRef idx="0">
+            <a:schemeClr val="accent1"/>
+          </a:effectRef>
+          <a:fontRef idx="minor">
+            <a:schemeClr val="tx1"/>
+          </a:fontRef>
+        </p:style>
+        <p:txBody>
+          <a:bodyPr rtlCol="0" anchor="ctr"/>
+          <a:lstStyle/>
+          <a:p>
+            <a:pPr algn="ctr"/>
+            <a:endParaRPr lang="zh-CN" altLang="en-US"/>
+          </a:p>
+        </p:txBody>
+      </p:sp>
+      <p:sp>
+        <p:nvSpPr>
+          <p:cNvPr id="26" name="文本框 25">
+            <a:extLst>
+              <a:ext uri="{FF2B5EF4-FFF2-40B4-BE49-F238E27FC236}">
+                <a16:creationId xmlns:a16="http://schemas.microsoft.com/office/drawing/2014/main" id="{8AA34C69-D829-4F39-B409-E46C1DA2767C}"/>
+              </a:ext>
+            </a:extLst>
+          </p:cNvPr>
+          <p:cNvSpPr txBox="1"/>
+          <p:nvPr/>
+        </p:nvSpPr>
+        <p:spPr>
+          <a:xfrm>
+            <a:off x="9185769" y="1367364"/>
+            <a:ext cx="1313180" cy="369332"/>
+          </a:xfrm>
+          <a:prstGeom prst="rect">
+            <a:avLst/>
+          </a:prstGeom>
+          <a:noFill/>
+        </p:spPr>
+        <p:txBody>
+          <a:bodyPr wrap="none" rtlCol="0">
+            <a:spAutoFit/>
+          </a:bodyPr>
+          <a:lstStyle/>
+          <a:p>
+            <a:r>
+              <a:rPr lang="en-US" altLang="zh-CN" dirty="0" err="1"/>
+              <a:t>Block_mem</a:t>
+            </a:r>
+            <a:endParaRPr lang="zh-CN" altLang="en-US" dirty="0"/>
+          </a:p>
+        </p:txBody>
+      </p:sp>
+      <p:sp>
+        <p:nvSpPr>
+          <p:cNvPr id="27" name="箭头: 右 26">
+            <a:extLst>
+              <a:ext uri="{FF2B5EF4-FFF2-40B4-BE49-F238E27FC236}">
+                <a16:creationId xmlns:a16="http://schemas.microsoft.com/office/drawing/2014/main" id="{16819435-5666-4EAA-932A-85D8CF675454}"/>
+              </a:ext>
+            </a:extLst>
+          </p:cNvPr>
+          <p:cNvSpPr/>
+          <p:nvPr/>
+        </p:nvSpPr>
+        <p:spPr>
+          <a:xfrm>
+            <a:off x="5757839" y="3160810"/>
+            <a:ext cx="205274" cy="499378"/>
+          </a:xfrm>
+          <a:prstGeom prst="rightArrow">
+            <a:avLst/>
+          </a:prstGeom>
+        </p:spPr>
+        <p:style>
+          <a:lnRef idx="2">
+            <a:schemeClr val="accent1">
+              <a:shade val="50000"/>
+            </a:schemeClr>
+          </a:lnRef>
+          <a:fillRef idx="1">
+            <a:schemeClr val="accent1"/>
+          </a:fillRef>
+          <a:effectRef idx="0">
+            <a:schemeClr val="accent1"/>
+          </a:effectRef>
+          <a:fontRef idx="minor">
+            <a:schemeClr val="lt1"/>
+          </a:fontRef>
+        </p:style>
+        <p:txBody>
+          <a:bodyPr rtlCol="0" anchor="ctr"/>
+          <a:lstStyle/>
+          <a:p>
+            <a:pPr algn="ctr"/>
+            <a:endParaRPr lang="zh-CN" altLang="en-US"/>
+          </a:p>
+        </p:txBody>
+      </p:sp>
+      <p:sp>
+        <p:nvSpPr>
+          <p:cNvPr id="28" name="左大括号 27">
+            <a:extLst>
+              <a:ext uri="{FF2B5EF4-FFF2-40B4-BE49-F238E27FC236}">
+                <a16:creationId xmlns:a16="http://schemas.microsoft.com/office/drawing/2014/main" id="{988D6CE8-CFA6-4362-A41D-13A9128D74D2}"/>
+              </a:ext>
+            </a:extLst>
+          </p:cNvPr>
+          <p:cNvSpPr/>
+          <p:nvPr/>
+        </p:nvSpPr>
+        <p:spPr>
+          <a:xfrm>
+            <a:off x="6074228" y="1091682"/>
+            <a:ext cx="205274" cy="4605244"/>
+          </a:xfrm>
+          <a:prstGeom prst="leftBrace">
+            <a:avLst/>
+          </a:prstGeom>
+        </p:spPr>
+        <p:style>
+          <a:lnRef idx="1">
+            <a:schemeClr val="accent1"/>
+          </a:lnRef>
+          <a:fillRef idx="0">
+            <a:schemeClr val="accent1"/>
+          </a:fillRef>
+          <a:effectRef idx="0">
+            <a:schemeClr val="accent1"/>
+          </a:effectRef>
+          <a:fontRef idx="minor">
+            <a:schemeClr val="tx1"/>
+          </a:fontRef>
+        </p:style>
+        <p:txBody>
+          <a:bodyPr rtlCol="0" anchor="ctr"/>
+          <a:lstStyle/>
+          <a:p>
+            <a:pPr algn="ctr"/>
+            <a:endParaRPr lang="zh-CN" altLang="en-US"/>
+          </a:p>
+        </p:txBody>
+      </p:sp>
+      <p:sp>
+        <p:nvSpPr>
+          <p:cNvPr id="29" name="矩形 28">
+            <a:extLst>
+              <a:ext uri="{FF2B5EF4-FFF2-40B4-BE49-F238E27FC236}">
+                <a16:creationId xmlns:a16="http://schemas.microsoft.com/office/drawing/2014/main" id="{339F7315-64A1-47FD-A770-2748BEDF84F9}"/>
+              </a:ext>
+            </a:extLst>
+          </p:cNvPr>
+          <p:cNvSpPr/>
+          <p:nvPr/>
+        </p:nvSpPr>
+        <p:spPr>
+          <a:xfrm>
+            <a:off x="6385080" y="233626"/>
+            <a:ext cx="2375971" cy="984131"/>
+          </a:xfrm>
+          <a:prstGeom prst="rect">
+            <a:avLst/>
+          </a:prstGeom>
+          <a:noFill/>
+        </p:spPr>
+        <p:style>
+          <a:lnRef idx="2">
+            <a:schemeClr val="accent1">
+              <a:shade val="50000"/>
+            </a:schemeClr>
+          </a:lnRef>
+          <a:fillRef idx="1">
+            <a:schemeClr val="accent1"/>
+          </a:fillRef>
+          <a:effectRef idx="0">
+            <a:schemeClr val="accent1"/>
+          </a:effectRef>
+          <a:fontRef idx="minor">
+            <a:schemeClr val="lt1"/>
+          </a:fontRef>
+        </p:style>
+        <p:txBody>
+          <a:bodyPr rtlCol="0" anchor="ctr"/>
+          <a:lstStyle/>
+          <a:p>
+            <a:pPr algn="ctr"/>
+            <a:endParaRPr lang="zh-CN" altLang="en-US"/>
+          </a:p>
+        </p:txBody>
+      </p:sp>
+      <p:sp>
+        <p:nvSpPr>
+          <p:cNvPr id="30" name="文本框 29">
+            <a:extLst>
+              <a:ext uri="{FF2B5EF4-FFF2-40B4-BE49-F238E27FC236}">
+                <a16:creationId xmlns:a16="http://schemas.microsoft.com/office/drawing/2014/main" id="{45163283-391F-428A-8C6C-6BAFB3FFF8D6}"/>
+              </a:ext>
+            </a:extLst>
+          </p:cNvPr>
+          <p:cNvSpPr txBox="1"/>
+          <p:nvPr/>
+        </p:nvSpPr>
+        <p:spPr>
+          <a:xfrm>
+            <a:off x="6916473" y="279780"/>
+            <a:ext cx="1313180" cy="923330"/>
+          </a:xfrm>
+          <a:prstGeom prst="rect">
+            <a:avLst/>
+          </a:prstGeom>
+          <a:noFill/>
+        </p:spPr>
+        <p:txBody>
+          <a:bodyPr wrap="none" rtlCol="0">
+            <a:spAutoFit/>
+          </a:bodyPr>
+          <a:lstStyle/>
+          <a:p>
+            <a:pPr algn="ctr"/>
+            <a:r>
+              <a:rPr lang="en-US" altLang="zh-CN" dirty="0"/>
+              <a:t>Utilities</a:t>
+            </a:r>
+          </a:p>
+          <a:p>
+            <a:pPr algn="ctr"/>
+            <a:r>
+              <a:rPr lang="en-US" altLang="zh-CN" dirty="0"/>
+              <a:t>(tool kits)</a:t>
+            </a:r>
+          </a:p>
+          <a:p>
+            <a:pPr algn="ctr"/>
+            <a:r>
+              <a:rPr lang="en-US" altLang="zh-CN" dirty="0"/>
+              <a:t>`</a:t>
+            </a:r>
+            <a:r>
+              <a:rPr lang="en-US" altLang="zh-CN" dirty="0" err="1"/>
+              <a:t>util</a:t>
+            </a:r>
+            <a:r>
+              <a:rPr lang="en-US" altLang="zh-CN" dirty="0"/>
+              <a:t>` folder </a:t>
+            </a:r>
+          </a:p>
+        </p:txBody>
+      </p:sp>
+      <p:sp>
+        <p:nvSpPr>
+          <p:cNvPr id="31" name="左大括号 30">
+            <a:extLst>
+              <a:ext uri="{FF2B5EF4-FFF2-40B4-BE49-F238E27FC236}">
+                <a16:creationId xmlns:a16="http://schemas.microsoft.com/office/drawing/2014/main" id="{E3072420-3BBD-498C-8F9D-C560C1358EA3}"/>
+              </a:ext>
+            </a:extLst>
+          </p:cNvPr>
+          <p:cNvSpPr/>
+          <p:nvPr/>
+        </p:nvSpPr>
+        <p:spPr>
+          <a:xfrm>
+            <a:off x="8930148" y="218979"/>
+            <a:ext cx="121306" cy="984131"/>
+          </a:xfrm>
+          <a:prstGeom prst="leftBrace">
+            <a:avLst/>
+          </a:prstGeom>
+        </p:spPr>
+        <p:style>
+          <a:lnRef idx="1">
+            <a:schemeClr val="accent1"/>
+          </a:lnRef>
+          <a:fillRef idx="0">
+            <a:schemeClr val="accent1"/>
+          </a:fillRef>
+          <a:effectRef idx="0">
+            <a:schemeClr val="accent1"/>
+          </a:effectRef>
+          <a:fontRef idx="minor">
+            <a:schemeClr val="tx1"/>
+          </a:fontRef>
+        </p:style>
+        <p:txBody>
+          <a:bodyPr rtlCol="0" anchor="ctr"/>
+          <a:lstStyle/>
+          <a:p>
+            <a:pPr algn="ctr"/>
+            <a:endParaRPr lang="zh-CN" altLang="en-US"/>
+          </a:p>
+        </p:txBody>
+      </p:sp>
+      <p:sp>
+        <p:nvSpPr>
+          <p:cNvPr id="32" name="文本框 31">
+            <a:extLst>
+              <a:ext uri="{FF2B5EF4-FFF2-40B4-BE49-F238E27FC236}">
+                <a16:creationId xmlns:a16="http://schemas.microsoft.com/office/drawing/2014/main" id="{785665CF-1003-4057-9472-716457F98522}"/>
+              </a:ext>
+            </a:extLst>
+          </p:cNvPr>
+          <p:cNvSpPr txBox="1"/>
+          <p:nvPr/>
+        </p:nvSpPr>
+        <p:spPr>
+          <a:xfrm>
+            <a:off x="9159559" y="193308"/>
+            <a:ext cx="1263487" cy="369332"/>
+          </a:xfrm>
+          <a:prstGeom prst="rect">
+            <a:avLst/>
+          </a:prstGeom>
+          <a:noFill/>
+        </p:spPr>
+        <p:txBody>
+          <a:bodyPr wrap="none" rtlCol="0">
+            <a:spAutoFit/>
+          </a:bodyPr>
+          <a:lstStyle/>
+          <a:p>
+            <a:r>
+              <a:rPr lang="en-US" altLang="zh-CN" dirty="0" err="1"/>
+              <a:t>Udp</a:t>
+            </a:r>
+            <a:r>
+              <a:rPr lang="en-US" altLang="zh-CN" dirty="0"/>
+              <a:t> server</a:t>
+            </a:r>
+            <a:endParaRPr lang="zh-CN" altLang="en-US" dirty="0"/>
+          </a:p>
+        </p:txBody>
+      </p:sp>
+      <p:sp>
+        <p:nvSpPr>
+          <p:cNvPr id="33" name="矩形 32">
+            <a:extLst>
+              <a:ext uri="{FF2B5EF4-FFF2-40B4-BE49-F238E27FC236}">
+                <a16:creationId xmlns:a16="http://schemas.microsoft.com/office/drawing/2014/main" id="{3967204C-B989-44D7-8BAE-7F79B528A06E}"/>
+              </a:ext>
+            </a:extLst>
+          </p:cNvPr>
+          <p:cNvSpPr/>
+          <p:nvPr/>
+        </p:nvSpPr>
+        <p:spPr>
+          <a:xfrm>
+            <a:off x="3253486" y="4518257"/>
+            <a:ext cx="2375971" cy="984131"/>
+          </a:xfrm>
+          <a:prstGeom prst="rect">
+            <a:avLst/>
+          </a:prstGeom>
+          <a:noFill/>
+        </p:spPr>
+        <p:style>
+          <a:lnRef idx="2">
+            <a:schemeClr val="accent1">
+              <a:shade val="50000"/>
+            </a:schemeClr>
+          </a:lnRef>
+          <a:fillRef idx="1">
+            <a:schemeClr val="accent1"/>
+          </a:fillRef>
+          <a:effectRef idx="0">
+            <a:schemeClr val="accent1"/>
+          </a:effectRef>
+          <a:fontRef idx="minor">
+            <a:schemeClr val="lt1"/>
+          </a:fontRef>
+        </p:style>
+        <p:txBody>
+          <a:bodyPr rtlCol="0" anchor="ctr"/>
+          <a:lstStyle/>
+          <a:p>
+            <a:pPr algn="ctr"/>
+            <a:endParaRPr lang="zh-CN" altLang="en-US"/>
+          </a:p>
+        </p:txBody>
+      </p:sp>
+      <p:sp>
+        <p:nvSpPr>
+          <p:cNvPr id="34" name="文本框 33">
+            <a:extLst>
+              <a:ext uri="{FF2B5EF4-FFF2-40B4-BE49-F238E27FC236}">
+                <a16:creationId xmlns:a16="http://schemas.microsoft.com/office/drawing/2014/main" id="{ED805A87-B459-4B03-A921-19AC770059AE}"/>
+              </a:ext>
+            </a:extLst>
+          </p:cNvPr>
+          <p:cNvSpPr txBox="1"/>
+          <p:nvPr/>
+        </p:nvSpPr>
+        <p:spPr>
+          <a:xfrm>
+            <a:off x="3250280" y="4564411"/>
+            <a:ext cx="2382383" cy="923330"/>
+          </a:xfrm>
+          <a:prstGeom prst="rect">
+            <a:avLst/>
+          </a:prstGeom>
+          <a:noFill/>
+        </p:spPr>
+        <p:txBody>
+          <a:bodyPr wrap="none" rtlCol="0">
+            <a:spAutoFit/>
+          </a:bodyPr>
+          <a:lstStyle/>
+          <a:p>
+            <a:pPr algn="ctr"/>
+            <a:r>
+              <a:rPr lang="en-US" altLang="zh-CN" dirty="0"/>
+              <a:t>Chip Support Package</a:t>
+            </a:r>
+          </a:p>
+          <a:p>
+            <a:pPr algn="ctr"/>
+            <a:r>
+              <a:rPr lang="en-US" altLang="zh-CN" dirty="0"/>
+              <a:t>(CSP)</a:t>
+            </a:r>
+          </a:p>
+          <a:p>
+            <a:pPr algn="ctr"/>
+            <a:r>
+              <a:rPr lang="en-US" altLang="zh-CN" dirty="0"/>
+              <a:t>`</a:t>
+            </a:r>
+            <a:r>
+              <a:rPr lang="en-US" altLang="zh-CN" dirty="0" err="1"/>
+              <a:t>csp</a:t>
+            </a:r>
+            <a:r>
+              <a:rPr lang="en-US" altLang="zh-CN" dirty="0"/>
+              <a:t>` directory</a:t>
+            </a:r>
+          </a:p>
+        </p:txBody>
+      </p:sp>
+      <p:sp>
+        <p:nvSpPr>
+          <p:cNvPr id="35" name="箭头: 下 34">
+            <a:extLst>
+              <a:ext uri="{FF2B5EF4-FFF2-40B4-BE49-F238E27FC236}">
+                <a16:creationId xmlns:a16="http://schemas.microsoft.com/office/drawing/2014/main" id="{2167D58D-0AF9-4CB3-BDFC-36BADF15705D}"/>
+              </a:ext>
+            </a:extLst>
+          </p:cNvPr>
+          <p:cNvSpPr/>
+          <p:nvPr/>
+        </p:nvSpPr>
+        <p:spPr>
+          <a:xfrm rot="10800000">
+            <a:off x="4049484" y="4116145"/>
+            <a:ext cx="746449" cy="173267"/>
+          </a:xfrm>
+          <a:prstGeom prst="downArrow">
+            <a:avLst/>
+          </a:prstGeom>
+        </p:spPr>
+        <p:style>
+          <a:lnRef idx="2">
+            <a:schemeClr val="accent1">
+              <a:shade val="50000"/>
+            </a:schemeClr>
+          </a:lnRef>
+          <a:fillRef idx="1">
+            <a:schemeClr val="accent1"/>
+          </a:fillRef>
+          <a:effectRef idx="0">
+            <a:schemeClr val="accent1"/>
+          </a:effectRef>
+          <a:fontRef idx="minor">
+            <a:schemeClr val="lt1"/>
+          </a:fontRef>
+        </p:style>
+        <p:txBody>
+          <a:bodyPr rtlCol="0" anchor="ctr"/>
+          <a:lstStyle/>
+          <a:p>
+            <a:pPr algn="ctr"/>
+            <a:endParaRPr lang="zh-CN" altLang="en-US"/>
+          </a:p>
+        </p:txBody>
+      </p:sp>
+      <p:sp>
+        <p:nvSpPr>
+          <p:cNvPr id="36" name="箭头: 下 35">
+            <a:extLst>
+              <a:ext uri="{FF2B5EF4-FFF2-40B4-BE49-F238E27FC236}">
+                <a16:creationId xmlns:a16="http://schemas.microsoft.com/office/drawing/2014/main" id="{D65B7A80-0797-4747-8FE0-AC5D1D3ED0CC}"/>
+              </a:ext>
+            </a:extLst>
+          </p:cNvPr>
+          <p:cNvSpPr/>
+          <p:nvPr/>
+        </p:nvSpPr>
+        <p:spPr>
+          <a:xfrm>
+            <a:off x="4049484" y="2417779"/>
+            <a:ext cx="746449" cy="173267"/>
+          </a:xfrm>
+          <a:prstGeom prst="downArrow">
+            <a:avLst/>
+          </a:prstGeom>
+        </p:spPr>
+        <p:style>
+          <a:lnRef idx="2">
+            <a:schemeClr val="accent1">
+              <a:shade val="50000"/>
+            </a:schemeClr>
+          </a:lnRef>
+          <a:fillRef idx="1">
+            <a:schemeClr val="accent1"/>
+          </a:fillRef>
+          <a:effectRef idx="0">
+            <a:schemeClr val="accent1"/>
+          </a:effectRef>
+          <a:fontRef idx="minor">
+            <a:schemeClr val="lt1"/>
+          </a:fontRef>
+        </p:style>
+        <p:txBody>
+          <a:bodyPr rtlCol="0" anchor="ctr"/>
+          <a:lstStyle/>
+          <a:p>
+            <a:pPr algn="ctr"/>
+            <a:endParaRPr lang="zh-CN" altLang="en-US"/>
+          </a:p>
+        </p:txBody>
+      </p:sp>
+      <p:sp>
+        <p:nvSpPr>
+          <p:cNvPr id="37" name="矩形 36">
+            <a:extLst>
+              <a:ext uri="{FF2B5EF4-FFF2-40B4-BE49-F238E27FC236}">
+                <a16:creationId xmlns:a16="http://schemas.microsoft.com/office/drawing/2014/main" id="{D1B12F6F-280F-469A-83E0-B75EED0584AA}"/>
+              </a:ext>
+            </a:extLst>
+          </p:cNvPr>
+          <p:cNvSpPr/>
+          <p:nvPr/>
+        </p:nvSpPr>
+        <p:spPr>
+          <a:xfrm>
+            <a:off x="3264460" y="1122015"/>
+            <a:ext cx="2375971" cy="984131"/>
+          </a:xfrm>
+          <a:prstGeom prst="rect">
+            <a:avLst/>
+          </a:prstGeom>
+          <a:noFill/>
+        </p:spPr>
+        <p:style>
+          <a:lnRef idx="2">
+            <a:schemeClr val="accent1">
+              <a:shade val="50000"/>
+            </a:schemeClr>
+          </a:lnRef>
+          <a:fillRef idx="1">
+            <a:schemeClr val="accent1"/>
+          </a:fillRef>
+          <a:effectRef idx="0">
+            <a:schemeClr val="accent1"/>
+          </a:effectRef>
+          <a:fontRef idx="minor">
+            <a:schemeClr val="lt1"/>
+          </a:fontRef>
+        </p:style>
+        <p:txBody>
+          <a:bodyPr rtlCol="0" anchor="ctr"/>
+          <a:lstStyle/>
+          <a:p>
+            <a:pPr algn="ctr"/>
+            <a:endParaRPr lang="zh-CN" altLang="en-US"/>
+          </a:p>
+        </p:txBody>
+      </p:sp>
+      <p:sp>
+        <p:nvSpPr>
+          <p:cNvPr id="38" name="文本框 37">
+            <a:extLst>
+              <a:ext uri="{FF2B5EF4-FFF2-40B4-BE49-F238E27FC236}">
+                <a16:creationId xmlns:a16="http://schemas.microsoft.com/office/drawing/2014/main" id="{8407C7DC-FCB9-4995-A8D3-327335BA8912}"/>
+              </a:ext>
+            </a:extLst>
+          </p:cNvPr>
+          <p:cNvSpPr txBox="1"/>
+          <p:nvPr/>
+        </p:nvSpPr>
+        <p:spPr>
+          <a:xfrm>
+            <a:off x="3426365" y="1168169"/>
+            <a:ext cx="2052165" cy="923330"/>
+          </a:xfrm>
+          <a:prstGeom prst="rect">
+            <a:avLst/>
+          </a:prstGeom>
+          <a:noFill/>
+        </p:spPr>
+        <p:txBody>
+          <a:bodyPr wrap="none" rtlCol="0">
+            <a:spAutoFit/>
+          </a:bodyPr>
+          <a:lstStyle/>
+          <a:p>
+            <a:pPr algn="ctr"/>
+            <a:r>
+              <a:rPr lang="en-US" altLang="zh-CN" dirty="0"/>
+              <a:t>User Configuration</a:t>
+            </a:r>
+          </a:p>
+          <a:p>
+            <a:pPr algn="ctr"/>
+            <a:r>
+              <a:rPr lang="en-US" altLang="zh-CN" dirty="0"/>
+              <a:t>(</a:t>
+            </a:r>
+            <a:r>
+              <a:rPr lang="en-US" altLang="zh-CN" dirty="0" err="1"/>
+              <a:t>user.config.h</a:t>
+            </a:r>
+            <a:r>
+              <a:rPr lang="en-US" altLang="zh-CN" dirty="0"/>
+              <a:t>)</a:t>
+            </a:r>
+          </a:p>
+          <a:p>
+            <a:pPr algn="ctr"/>
+            <a:r>
+              <a:rPr lang="en-US" altLang="zh-CN" dirty="0"/>
+              <a:t>`root` directory </a:t>
+            </a:r>
+          </a:p>
+        </p:txBody>
+      </p:sp>
     </p:spTree>
     <p:extLst>
       <p:ext uri="{BB962C8B-B14F-4D97-AF65-F5344CB8AC3E}">
         <p14:creationId xmlns:p14="http://schemas.microsoft.com/office/powerpoint/2010/main" val="3183157880"/>
+      </p:ext>
+    </p:extLst>
+  </p:cSld>
+  <p:clrMapOvr>
+    <a:masterClrMapping/>
+  </p:clrMapOvr>
+</p:sld>
+</file>
+
+<file path=ppt/slides/slide2.xml><?xml version="1.0" encoding="utf-8"?>
+<p:sld xmlns:a="http://schemas.openxmlformats.org/drawingml/2006/main" xmlns:r="http://schemas.openxmlformats.org/officeDocument/2006/relationships" xmlns:p="http://schemas.openxmlformats.org/presentationml/2006/main">
+  <p:cSld>
+    <p:spTree>
+      <p:nvGrpSpPr>
+        <p:cNvPr id="1" name=""/>
+        <p:cNvGrpSpPr/>
+        <p:nvPr/>
+      </p:nvGrpSpPr>
+      <p:grpSpPr>
+        <a:xfrm>
+          <a:off x="0" y="0"/>
+          <a:ext cx="0" cy="0"/>
+          <a:chOff x="0" y="0"/>
+          <a:chExt cx="0" cy="0"/>
+        </a:xfrm>
+      </p:grpSpPr>
+      <p:sp>
+        <p:nvSpPr>
+          <p:cNvPr id="2" name="矩形 1">
+            <a:extLst>
+              <a:ext uri="{FF2B5EF4-FFF2-40B4-BE49-F238E27FC236}">
+                <a16:creationId xmlns:a16="http://schemas.microsoft.com/office/drawing/2014/main" id="{4E4B16A6-4AA7-42EE-8B42-2D8D658236CF}"/>
+              </a:ext>
+            </a:extLst>
+          </p:cNvPr>
+          <p:cNvSpPr/>
+          <p:nvPr/>
+        </p:nvSpPr>
+        <p:spPr>
+          <a:xfrm>
+            <a:off x="773889" y="2921181"/>
+            <a:ext cx="2375971" cy="984131"/>
+          </a:xfrm>
+          <a:prstGeom prst="rect">
+            <a:avLst/>
+          </a:prstGeom>
+          <a:noFill/>
+        </p:spPr>
+        <p:style>
+          <a:lnRef idx="2">
+            <a:schemeClr val="accent1">
+              <a:shade val="50000"/>
+            </a:schemeClr>
+          </a:lnRef>
+          <a:fillRef idx="1">
+            <a:schemeClr val="accent1"/>
+          </a:fillRef>
+          <a:effectRef idx="0">
+            <a:schemeClr val="accent1"/>
+          </a:effectRef>
+          <a:fontRef idx="minor">
+            <a:schemeClr val="lt1"/>
+          </a:fontRef>
+        </p:style>
+        <p:txBody>
+          <a:bodyPr rtlCol="0" anchor="ctr"/>
+          <a:lstStyle/>
+          <a:p>
+            <a:pPr algn="ctr"/>
+            <a:endParaRPr lang="zh-CN" altLang="en-US"/>
+          </a:p>
+        </p:txBody>
+      </p:sp>
+      <p:sp>
+        <p:nvSpPr>
+          <p:cNvPr id="3" name="文本框 2">
+            <a:extLst>
+              <a:ext uri="{FF2B5EF4-FFF2-40B4-BE49-F238E27FC236}">
+                <a16:creationId xmlns:a16="http://schemas.microsoft.com/office/drawing/2014/main" id="{3E923453-03CE-43E8-B520-E3B426FFDF32}"/>
+              </a:ext>
+            </a:extLst>
+          </p:cNvPr>
+          <p:cNvSpPr txBox="1"/>
+          <p:nvPr/>
+        </p:nvSpPr>
+        <p:spPr>
+          <a:xfrm>
+            <a:off x="704959" y="2967335"/>
+            <a:ext cx="2513830" cy="923330"/>
+          </a:xfrm>
+          <a:prstGeom prst="rect">
+            <a:avLst/>
+          </a:prstGeom>
+          <a:noFill/>
+        </p:spPr>
+        <p:txBody>
+          <a:bodyPr wrap="none" rtlCol="0">
+            <a:spAutoFit/>
+          </a:bodyPr>
+          <a:lstStyle/>
+          <a:p>
+            <a:pPr algn="ctr"/>
+            <a:r>
+              <a:rPr lang="en-US" altLang="zh-CN" dirty="0"/>
+              <a:t>Controller Template Lib</a:t>
+            </a:r>
+          </a:p>
+          <a:p>
+            <a:pPr algn="ctr"/>
+            <a:r>
+              <a:rPr lang="en-US" altLang="zh-CN" dirty="0"/>
+              <a:t>(CTL)</a:t>
+            </a:r>
+          </a:p>
+          <a:p>
+            <a:pPr algn="ctr"/>
+            <a:r>
+              <a:rPr lang="en-US" altLang="zh-CN" dirty="0"/>
+              <a:t>`</a:t>
+            </a:r>
+            <a:r>
+              <a:rPr lang="en-US" altLang="zh-CN" dirty="0" err="1"/>
+              <a:t>ctl</a:t>
+            </a:r>
+            <a:r>
+              <a:rPr lang="en-US" altLang="zh-CN" dirty="0"/>
+              <a:t>` folder </a:t>
+            </a:r>
+          </a:p>
+        </p:txBody>
+      </p:sp>
+      <p:sp>
+        <p:nvSpPr>
+          <p:cNvPr id="4" name="矩形 3">
+            <a:extLst>
+              <a:ext uri="{FF2B5EF4-FFF2-40B4-BE49-F238E27FC236}">
+                <a16:creationId xmlns:a16="http://schemas.microsoft.com/office/drawing/2014/main" id="{FE2F3937-EDCD-4DD8-90C9-48F2D5DA9908}"/>
+              </a:ext>
+            </a:extLst>
+          </p:cNvPr>
+          <p:cNvSpPr/>
+          <p:nvPr/>
+        </p:nvSpPr>
+        <p:spPr>
+          <a:xfrm>
+            <a:off x="3936264" y="263599"/>
+            <a:ext cx="2375971" cy="984131"/>
+          </a:xfrm>
+          <a:prstGeom prst="rect">
+            <a:avLst/>
+          </a:prstGeom>
+          <a:noFill/>
+        </p:spPr>
+        <p:style>
+          <a:lnRef idx="2">
+            <a:schemeClr val="accent1">
+              <a:shade val="50000"/>
+            </a:schemeClr>
+          </a:lnRef>
+          <a:fillRef idx="1">
+            <a:schemeClr val="accent1"/>
+          </a:fillRef>
+          <a:effectRef idx="0">
+            <a:schemeClr val="accent1"/>
+          </a:effectRef>
+          <a:fontRef idx="minor">
+            <a:schemeClr val="lt1"/>
+          </a:fontRef>
+        </p:style>
+        <p:txBody>
+          <a:bodyPr rtlCol="0" anchor="ctr"/>
+          <a:lstStyle/>
+          <a:p>
+            <a:pPr algn="ctr"/>
+            <a:endParaRPr lang="zh-CN" altLang="en-US"/>
+          </a:p>
+        </p:txBody>
+      </p:sp>
+      <p:sp>
+        <p:nvSpPr>
+          <p:cNvPr id="5" name="文本框 4">
+            <a:extLst>
+              <a:ext uri="{FF2B5EF4-FFF2-40B4-BE49-F238E27FC236}">
+                <a16:creationId xmlns:a16="http://schemas.microsoft.com/office/drawing/2014/main" id="{6655AE22-0FBF-48D4-80C6-8B7D7DF1CC35}"/>
+              </a:ext>
+            </a:extLst>
+          </p:cNvPr>
+          <p:cNvSpPr txBox="1"/>
+          <p:nvPr/>
+        </p:nvSpPr>
+        <p:spPr>
+          <a:xfrm>
+            <a:off x="4014011" y="309753"/>
+            <a:ext cx="2220481" cy="923330"/>
+          </a:xfrm>
+          <a:prstGeom prst="rect">
+            <a:avLst/>
+          </a:prstGeom>
+          <a:noFill/>
+        </p:spPr>
+        <p:txBody>
+          <a:bodyPr wrap="none" rtlCol="0">
+            <a:spAutoFit/>
+          </a:bodyPr>
+          <a:lstStyle/>
+          <a:p>
+            <a:pPr algn="ctr"/>
+            <a:r>
+              <a:rPr lang="en-US" altLang="zh-CN" dirty="0"/>
+              <a:t>Component Blocks</a:t>
+            </a:r>
+          </a:p>
+          <a:p>
+            <a:pPr algn="ctr"/>
+            <a:r>
+              <a:rPr lang="en-US" altLang="zh-CN" dirty="0"/>
+              <a:t>(Controller modules)</a:t>
+            </a:r>
+          </a:p>
+          <a:p>
+            <a:pPr algn="ctr"/>
+            <a:r>
+              <a:rPr lang="en-US" altLang="zh-CN" dirty="0"/>
+              <a:t>`common` directory </a:t>
+            </a:r>
+          </a:p>
+        </p:txBody>
+      </p:sp>
+      <p:sp>
+        <p:nvSpPr>
+          <p:cNvPr id="6" name="矩形 5">
+            <a:extLst>
+              <a:ext uri="{FF2B5EF4-FFF2-40B4-BE49-F238E27FC236}">
+                <a16:creationId xmlns:a16="http://schemas.microsoft.com/office/drawing/2014/main" id="{D66AB864-51E4-4717-B5A1-46DA9C8D0D01}"/>
+              </a:ext>
+            </a:extLst>
+          </p:cNvPr>
+          <p:cNvSpPr/>
+          <p:nvPr/>
+        </p:nvSpPr>
+        <p:spPr>
+          <a:xfrm>
+            <a:off x="3936264" y="1831142"/>
+            <a:ext cx="2375971" cy="984131"/>
+          </a:xfrm>
+          <a:prstGeom prst="rect">
+            <a:avLst/>
+          </a:prstGeom>
+          <a:noFill/>
+        </p:spPr>
+        <p:style>
+          <a:lnRef idx="2">
+            <a:schemeClr val="accent1">
+              <a:shade val="50000"/>
+            </a:schemeClr>
+          </a:lnRef>
+          <a:fillRef idx="1">
+            <a:schemeClr val="accent1"/>
+          </a:fillRef>
+          <a:effectRef idx="0">
+            <a:schemeClr val="accent1"/>
+          </a:effectRef>
+          <a:fontRef idx="minor">
+            <a:schemeClr val="lt1"/>
+          </a:fontRef>
+        </p:style>
+        <p:txBody>
+          <a:bodyPr rtlCol="0" anchor="ctr"/>
+          <a:lstStyle/>
+          <a:p>
+            <a:pPr algn="ctr"/>
+            <a:endParaRPr lang="zh-CN" altLang="en-US"/>
+          </a:p>
+        </p:txBody>
+      </p:sp>
+      <p:sp>
+        <p:nvSpPr>
+          <p:cNvPr id="7" name="文本框 6">
+            <a:extLst>
+              <a:ext uri="{FF2B5EF4-FFF2-40B4-BE49-F238E27FC236}">
+                <a16:creationId xmlns:a16="http://schemas.microsoft.com/office/drawing/2014/main" id="{9A8D16AA-C466-4D86-8E90-3A7CD12E27E5}"/>
+              </a:ext>
+            </a:extLst>
+          </p:cNvPr>
+          <p:cNvSpPr txBox="1"/>
+          <p:nvPr/>
+        </p:nvSpPr>
+        <p:spPr>
+          <a:xfrm>
+            <a:off x="3911421" y="1877296"/>
+            <a:ext cx="2425664" cy="923330"/>
+          </a:xfrm>
+          <a:prstGeom prst="rect">
+            <a:avLst/>
+          </a:prstGeom>
+          <a:noFill/>
+        </p:spPr>
+        <p:txBody>
+          <a:bodyPr wrap="none" rtlCol="0">
+            <a:spAutoFit/>
+          </a:bodyPr>
+          <a:lstStyle/>
+          <a:p>
+            <a:pPr algn="ctr"/>
+            <a:r>
+              <a:rPr lang="en-US" altLang="zh-CN" dirty="0"/>
+              <a:t>CTL Framework</a:t>
+            </a:r>
+          </a:p>
+          <a:p>
+            <a:pPr algn="ctr"/>
+            <a:r>
+              <a:rPr lang="en-US" altLang="zh-CN" dirty="0"/>
+              <a:t>(Controller framework)</a:t>
+            </a:r>
+          </a:p>
+          <a:p>
+            <a:pPr algn="ctr"/>
+            <a:r>
+              <a:rPr lang="en-US" altLang="zh-CN" dirty="0"/>
+              <a:t>`framework` directory </a:t>
+            </a:r>
+          </a:p>
+        </p:txBody>
+      </p:sp>
+      <p:sp>
+        <p:nvSpPr>
+          <p:cNvPr id="8" name="矩形 7">
+            <a:extLst>
+              <a:ext uri="{FF2B5EF4-FFF2-40B4-BE49-F238E27FC236}">
+                <a16:creationId xmlns:a16="http://schemas.microsoft.com/office/drawing/2014/main" id="{9DFD8F6E-8760-4692-A384-D069866EB15A}"/>
+              </a:ext>
+            </a:extLst>
+          </p:cNvPr>
+          <p:cNvSpPr/>
+          <p:nvPr/>
+        </p:nvSpPr>
+        <p:spPr>
+          <a:xfrm>
+            <a:off x="3936264" y="3464943"/>
+            <a:ext cx="2375971" cy="984131"/>
+          </a:xfrm>
+          <a:prstGeom prst="rect">
+            <a:avLst/>
+          </a:prstGeom>
+          <a:noFill/>
+        </p:spPr>
+        <p:style>
+          <a:lnRef idx="2">
+            <a:schemeClr val="accent1">
+              <a:shade val="50000"/>
+            </a:schemeClr>
+          </a:lnRef>
+          <a:fillRef idx="1">
+            <a:schemeClr val="accent1"/>
+          </a:fillRef>
+          <a:effectRef idx="0">
+            <a:schemeClr val="accent1"/>
+          </a:effectRef>
+          <a:fontRef idx="minor">
+            <a:schemeClr val="lt1"/>
+          </a:fontRef>
+        </p:style>
+        <p:txBody>
+          <a:bodyPr rtlCol="0" anchor="ctr"/>
+          <a:lstStyle/>
+          <a:p>
+            <a:pPr algn="ctr"/>
+            <a:endParaRPr lang="zh-CN" altLang="en-US"/>
+          </a:p>
+        </p:txBody>
+      </p:sp>
+      <p:sp>
+        <p:nvSpPr>
+          <p:cNvPr id="9" name="文本框 8">
+            <a:extLst>
+              <a:ext uri="{FF2B5EF4-FFF2-40B4-BE49-F238E27FC236}">
+                <a16:creationId xmlns:a16="http://schemas.microsoft.com/office/drawing/2014/main" id="{9A255D63-C41D-4B01-88C6-4A0AD64B936A}"/>
+              </a:ext>
+            </a:extLst>
+          </p:cNvPr>
+          <p:cNvSpPr txBox="1"/>
+          <p:nvPr/>
+        </p:nvSpPr>
+        <p:spPr>
+          <a:xfrm>
+            <a:off x="4058096" y="3511097"/>
+            <a:ext cx="2132314" cy="923330"/>
+          </a:xfrm>
+          <a:prstGeom prst="rect">
+            <a:avLst/>
+          </a:prstGeom>
+          <a:noFill/>
+        </p:spPr>
+        <p:txBody>
+          <a:bodyPr wrap="none" rtlCol="0">
+            <a:spAutoFit/>
+          </a:bodyPr>
+          <a:lstStyle/>
+          <a:p>
+            <a:pPr algn="ctr"/>
+            <a:r>
+              <a:rPr lang="en-US" altLang="zh-CN" dirty="0"/>
+              <a:t>Controller Plants</a:t>
+            </a:r>
+          </a:p>
+          <a:p>
+            <a:pPr algn="ctr"/>
+            <a:r>
+              <a:rPr lang="en-US" altLang="zh-CN" dirty="0"/>
+              <a:t>(Controlled objects)</a:t>
+            </a:r>
+          </a:p>
+          <a:p>
+            <a:pPr algn="ctr"/>
+            <a:r>
+              <a:rPr lang="en-US" altLang="zh-CN" dirty="0"/>
+              <a:t>`objects` directory </a:t>
+            </a:r>
+          </a:p>
+        </p:txBody>
+      </p:sp>
+      <p:sp>
+        <p:nvSpPr>
+          <p:cNvPr id="10" name="矩形 9">
+            <a:extLst>
+              <a:ext uri="{FF2B5EF4-FFF2-40B4-BE49-F238E27FC236}">
+                <a16:creationId xmlns:a16="http://schemas.microsoft.com/office/drawing/2014/main" id="{2D4E0F86-62C5-470C-AECF-82694AF65F4C}"/>
+              </a:ext>
+            </a:extLst>
+          </p:cNvPr>
+          <p:cNvSpPr/>
+          <p:nvPr/>
+        </p:nvSpPr>
+        <p:spPr>
+          <a:xfrm>
+            <a:off x="3936264" y="5119791"/>
+            <a:ext cx="2375971" cy="984131"/>
+          </a:xfrm>
+          <a:prstGeom prst="rect">
+            <a:avLst/>
+          </a:prstGeom>
+          <a:noFill/>
+        </p:spPr>
+        <p:style>
+          <a:lnRef idx="2">
+            <a:schemeClr val="accent1">
+              <a:shade val="50000"/>
+            </a:schemeClr>
+          </a:lnRef>
+          <a:fillRef idx="1">
+            <a:schemeClr val="accent1"/>
+          </a:fillRef>
+          <a:effectRef idx="0">
+            <a:schemeClr val="accent1"/>
+          </a:effectRef>
+          <a:fontRef idx="minor">
+            <a:schemeClr val="lt1"/>
+          </a:fontRef>
+        </p:style>
+        <p:txBody>
+          <a:bodyPr rtlCol="0" anchor="ctr"/>
+          <a:lstStyle/>
+          <a:p>
+            <a:pPr algn="ctr"/>
+            <a:endParaRPr lang="zh-CN" altLang="en-US"/>
+          </a:p>
+        </p:txBody>
+      </p:sp>
+      <p:sp>
+        <p:nvSpPr>
+          <p:cNvPr id="11" name="文本框 10">
+            <a:extLst>
+              <a:ext uri="{FF2B5EF4-FFF2-40B4-BE49-F238E27FC236}">
+                <a16:creationId xmlns:a16="http://schemas.microsoft.com/office/drawing/2014/main" id="{CB09449C-53ED-4829-B1E1-5F96FE7CC914}"/>
+              </a:ext>
+            </a:extLst>
+          </p:cNvPr>
+          <p:cNvSpPr txBox="1"/>
+          <p:nvPr/>
+        </p:nvSpPr>
+        <p:spPr>
+          <a:xfrm>
+            <a:off x="3976342" y="5165945"/>
+            <a:ext cx="2295821" cy="923330"/>
+          </a:xfrm>
+          <a:prstGeom prst="rect">
+            <a:avLst/>
+          </a:prstGeom>
+          <a:noFill/>
+        </p:spPr>
+        <p:txBody>
+          <a:bodyPr wrap="none" rtlCol="0">
+            <a:spAutoFit/>
+          </a:bodyPr>
+          <a:lstStyle/>
+          <a:p>
+            <a:pPr algn="ctr"/>
+            <a:r>
+              <a:rPr lang="en-US" altLang="zh-CN" dirty="0"/>
+              <a:t>Controller Suite</a:t>
+            </a:r>
+          </a:p>
+          <a:p>
+            <a:pPr algn="ctr"/>
+            <a:r>
+              <a:rPr lang="en-US" altLang="zh-CN" dirty="0"/>
+              <a:t>(Complete controller)</a:t>
+            </a:r>
+          </a:p>
+          <a:p>
+            <a:pPr algn="ctr"/>
+            <a:r>
+              <a:rPr lang="en-US" altLang="zh-CN" dirty="0"/>
+              <a:t>`suite` directory </a:t>
+            </a:r>
+          </a:p>
+        </p:txBody>
+      </p:sp>
+      <p:sp>
+        <p:nvSpPr>
+          <p:cNvPr id="12" name="左大括号 11">
+            <a:extLst>
+              <a:ext uri="{FF2B5EF4-FFF2-40B4-BE49-F238E27FC236}">
+                <a16:creationId xmlns:a16="http://schemas.microsoft.com/office/drawing/2014/main" id="{26D71D93-43F8-4943-8427-3CE7DD517AB7}"/>
+              </a:ext>
+            </a:extLst>
+          </p:cNvPr>
+          <p:cNvSpPr/>
+          <p:nvPr/>
+        </p:nvSpPr>
+        <p:spPr>
+          <a:xfrm>
+            <a:off x="6418753" y="0"/>
+            <a:ext cx="121306" cy="1453954"/>
+          </a:xfrm>
+          <a:prstGeom prst="leftBrace">
+            <a:avLst/>
+          </a:prstGeom>
+        </p:spPr>
+        <p:style>
+          <a:lnRef idx="1">
+            <a:schemeClr val="accent1"/>
+          </a:lnRef>
+          <a:fillRef idx="0">
+            <a:schemeClr val="accent1"/>
+          </a:fillRef>
+          <a:effectRef idx="0">
+            <a:schemeClr val="accent1"/>
+          </a:effectRef>
+          <a:fontRef idx="minor">
+            <a:schemeClr val="tx1"/>
+          </a:fontRef>
+        </p:style>
+        <p:txBody>
+          <a:bodyPr rtlCol="0" anchor="ctr"/>
+          <a:lstStyle/>
+          <a:p>
+            <a:pPr algn="ctr"/>
+            <a:endParaRPr lang="zh-CN" altLang="en-US"/>
+          </a:p>
+        </p:txBody>
+      </p:sp>
+      <p:sp>
+        <p:nvSpPr>
+          <p:cNvPr id="13" name="文本框 12">
+            <a:extLst>
+              <a:ext uri="{FF2B5EF4-FFF2-40B4-BE49-F238E27FC236}">
+                <a16:creationId xmlns:a16="http://schemas.microsoft.com/office/drawing/2014/main" id="{54512866-DA33-4F48-BD6D-953C865C31F3}"/>
+              </a:ext>
+            </a:extLst>
+          </p:cNvPr>
+          <p:cNvSpPr txBox="1"/>
+          <p:nvPr/>
+        </p:nvSpPr>
+        <p:spPr>
+          <a:xfrm>
+            <a:off x="6627548" y="0"/>
+            <a:ext cx="1107996" cy="369332"/>
+          </a:xfrm>
+          <a:prstGeom prst="rect">
+            <a:avLst/>
+          </a:prstGeom>
+          <a:noFill/>
+        </p:spPr>
+        <p:txBody>
+          <a:bodyPr wrap="none" rtlCol="0">
+            <a:spAutoFit/>
+          </a:bodyPr>
+          <a:lstStyle/>
+          <a:p>
+            <a:r>
+              <a:rPr lang="en-US" altLang="zh-CN" dirty="0"/>
+              <a:t>Common</a:t>
+            </a:r>
+            <a:endParaRPr lang="zh-CN" altLang="en-US" dirty="0"/>
+          </a:p>
+        </p:txBody>
+      </p:sp>
+      <p:sp>
+        <p:nvSpPr>
+          <p:cNvPr id="14" name="文本框 13">
+            <a:extLst>
+              <a:ext uri="{FF2B5EF4-FFF2-40B4-BE49-F238E27FC236}">
+                <a16:creationId xmlns:a16="http://schemas.microsoft.com/office/drawing/2014/main" id="{B8884A2D-4902-414D-B3CD-2138D248FF01}"/>
+              </a:ext>
+            </a:extLst>
+          </p:cNvPr>
+          <p:cNvSpPr txBox="1"/>
+          <p:nvPr/>
+        </p:nvSpPr>
+        <p:spPr>
+          <a:xfrm>
+            <a:off x="6627548" y="334579"/>
+            <a:ext cx="2908168" cy="369332"/>
+          </a:xfrm>
+          <a:prstGeom prst="rect">
+            <a:avLst/>
+          </a:prstGeom>
+          <a:noFill/>
+        </p:spPr>
+        <p:txBody>
+          <a:bodyPr wrap="none" rtlCol="0">
+            <a:spAutoFit/>
+          </a:bodyPr>
+          <a:lstStyle/>
+          <a:p>
+            <a:r>
+              <a:rPr lang="en-US" altLang="zh-CN" dirty="0"/>
+              <a:t>Interface: analog interfaces </a:t>
+            </a:r>
+            <a:endParaRPr lang="zh-CN" altLang="en-US" dirty="0"/>
+          </a:p>
+        </p:txBody>
+      </p:sp>
+      <p:sp>
+        <p:nvSpPr>
+          <p:cNvPr id="15" name="文本框 14">
+            <a:extLst>
+              <a:ext uri="{FF2B5EF4-FFF2-40B4-BE49-F238E27FC236}">
+                <a16:creationId xmlns:a16="http://schemas.microsoft.com/office/drawing/2014/main" id="{28CC8509-3AFD-4B3F-B706-59BCB9C28644}"/>
+              </a:ext>
+            </a:extLst>
+          </p:cNvPr>
+          <p:cNvSpPr txBox="1"/>
+          <p:nvPr/>
+        </p:nvSpPr>
+        <p:spPr>
+          <a:xfrm>
+            <a:off x="6646577" y="726977"/>
+            <a:ext cx="902811" cy="369332"/>
+          </a:xfrm>
+          <a:prstGeom prst="rect">
+            <a:avLst/>
+          </a:prstGeom>
+          <a:noFill/>
+        </p:spPr>
+        <p:txBody>
+          <a:bodyPr wrap="none" rtlCol="0">
+            <a:spAutoFit/>
+          </a:bodyPr>
+          <a:lstStyle/>
+          <a:p>
+            <a:r>
+              <a:rPr lang="en-US" altLang="zh-CN" dirty="0"/>
+              <a:t>Motion</a:t>
+            </a:r>
+            <a:endParaRPr lang="zh-CN" altLang="en-US" dirty="0"/>
+          </a:p>
+        </p:txBody>
+      </p:sp>
+      <p:sp>
+        <p:nvSpPr>
+          <p:cNvPr id="16" name="文本框 15">
+            <a:extLst>
+              <a:ext uri="{FF2B5EF4-FFF2-40B4-BE49-F238E27FC236}">
+                <a16:creationId xmlns:a16="http://schemas.microsoft.com/office/drawing/2014/main" id="{A791B5CF-931C-4AB0-9753-E130AF5E447B}"/>
+              </a:ext>
+            </a:extLst>
+          </p:cNvPr>
+          <p:cNvSpPr txBox="1"/>
+          <p:nvPr/>
+        </p:nvSpPr>
+        <p:spPr>
+          <a:xfrm>
+            <a:off x="6646576" y="1109234"/>
+            <a:ext cx="803425" cy="369332"/>
+          </a:xfrm>
+          <a:prstGeom prst="rect">
+            <a:avLst/>
+          </a:prstGeom>
+          <a:noFill/>
+        </p:spPr>
+        <p:txBody>
+          <a:bodyPr wrap="none" rtlCol="0">
+            <a:spAutoFit/>
+          </a:bodyPr>
+          <a:lstStyle/>
+          <a:p>
+            <a:r>
+              <a:rPr lang="en-US" altLang="zh-CN" dirty="0"/>
+              <a:t>Motor</a:t>
+            </a:r>
+            <a:endParaRPr lang="zh-CN" altLang="en-US" dirty="0"/>
+          </a:p>
+        </p:txBody>
+      </p:sp>
+    </p:spTree>
+    <p:extLst>
+      <p:ext uri="{BB962C8B-B14F-4D97-AF65-F5344CB8AC3E}">
+        <p14:creationId xmlns:p14="http://schemas.microsoft.com/office/powerpoint/2010/main" val="1900843630"/>
       </p:ext>
     </p:extLst>
   </p:cSld>
